--- a/Presentación/Trabajo Final_Muestreo.pptx
+++ b/Presentación/Trabajo Final_Muestreo.pptx
@@ -5,10 +5,10 @@
     <p:sldMasterId id="2147483684" r:id="rId1"/>
   </p:sldMasterIdLst>
   <p:notesMasterIdLst>
-    <p:notesMasterId r:id="rId22"/>
+    <p:notesMasterId r:id="rId23"/>
   </p:notesMasterIdLst>
   <p:handoutMasterIdLst>
-    <p:handoutMasterId r:id="rId23"/>
+    <p:handoutMasterId r:id="rId24"/>
   </p:handoutMasterIdLst>
   <p:sldIdLst>
     <p:sldId id="272" r:id="rId2"/>
@@ -26,11 +26,12 @@
     <p:sldId id="286" r:id="rId14"/>
     <p:sldId id="289" r:id="rId15"/>
     <p:sldId id="276" r:id="rId16"/>
-    <p:sldId id="290" r:id="rId17"/>
-    <p:sldId id="292" r:id="rId18"/>
-    <p:sldId id="291" r:id="rId19"/>
-    <p:sldId id="277" r:id="rId20"/>
-    <p:sldId id="278" r:id="rId21"/>
+    <p:sldId id="293" r:id="rId17"/>
+    <p:sldId id="290" r:id="rId18"/>
+    <p:sldId id="292" r:id="rId19"/>
+    <p:sldId id="291" r:id="rId20"/>
+    <p:sldId id="277" r:id="rId21"/>
+    <p:sldId id="278" r:id="rId22"/>
   </p:sldIdLst>
   <p:sldSz cx="12192000" cy="6858000"/>
   <p:notesSz cx="6858000" cy="9144000"/>
@@ -222,7 +223,7 @@
           <a:p>
             <a:fld id="{F3C502ED-38DF-43AC-A8CD-F9D3E3173CC4}" type="datetime1">
               <a:rPr lang="es-ES" smtClean="0"/>
-              <a:t>09/07/2024</a:t>
+              <a:t>10/07/2024</a:t>
             </a:fld>
             <a:endParaRPr lang="es-ES" dirty="0"/>
           </a:p>
@@ -390,7 +391,7 @@
             <a:pPr rtl="0"/>
             <a:fld id="{F4DAD7FE-6CFB-4941-843F-5B8FA3E21170}" type="datetime1">
               <a:rPr lang="es-ES" noProof="0" smtClean="0"/>
-              <a:t>09/07/2024</a:t>
+              <a:t>10/07/2024</a:t>
             </a:fld>
             <a:endParaRPr lang="es-ES" noProof="0" dirty="0"/>
           </a:p>
@@ -1332,7 +1333,7 @@
     </p:spTree>
     <p:extLst>
       <p:ext uri="{BB962C8B-B14F-4D97-AF65-F5344CB8AC3E}">
-        <p14:creationId xmlns:p14="http://schemas.microsoft.com/office/powerpoint/2010/main" val="1115689232"/>
+        <p14:creationId xmlns:p14="http://schemas.microsoft.com/office/powerpoint/2010/main" val="3472567374"/>
       </p:ext>
     </p:extLst>
   </p:cSld>
@@ -1417,7 +1418,7 @@
     </p:spTree>
     <p:extLst>
       <p:ext uri="{BB962C8B-B14F-4D97-AF65-F5344CB8AC3E}">
-        <p14:creationId xmlns:p14="http://schemas.microsoft.com/office/powerpoint/2010/main" val="1873975906"/>
+        <p14:creationId xmlns:p14="http://schemas.microsoft.com/office/powerpoint/2010/main" val="1115689232"/>
       </p:ext>
     </p:extLst>
   </p:cSld>
@@ -1502,7 +1503,7 @@
     </p:spTree>
     <p:extLst>
       <p:ext uri="{BB962C8B-B14F-4D97-AF65-F5344CB8AC3E}">
-        <p14:creationId xmlns:p14="http://schemas.microsoft.com/office/powerpoint/2010/main" val="2013252919"/>
+        <p14:creationId xmlns:p14="http://schemas.microsoft.com/office/powerpoint/2010/main" val="1873975906"/>
       </p:ext>
     </p:extLst>
   </p:cSld>
@@ -1587,7 +1588,7 @@
     </p:spTree>
     <p:extLst>
       <p:ext uri="{BB962C8B-B14F-4D97-AF65-F5344CB8AC3E}">
-        <p14:creationId xmlns:p14="http://schemas.microsoft.com/office/powerpoint/2010/main" val="2800298710"/>
+        <p14:creationId xmlns:p14="http://schemas.microsoft.com/office/powerpoint/2010/main" val="2013252919"/>
       </p:ext>
     </p:extLst>
   </p:cSld>
@@ -1749,6 +1750,91 @@
             <a:fld id="{893B0CF2-7F87-4E02-A248-870047730F99}" type="slidenum">
               <a:rPr lang="es-ES" smtClean="0"/>
               <a:t>20</a:t>
+            </a:fld>
+            <a:endParaRPr lang="es-ES" dirty="0"/>
+          </a:p>
+        </p:txBody>
+      </p:sp>
+    </p:spTree>
+    <p:extLst>
+      <p:ext uri="{BB962C8B-B14F-4D97-AF65-F5344CB8AC3E}">
+        <p14:creationId xmlns:p14="http://schemas.microsoft.com/office/powerpoint/2010/main" val="2800298710"/>
+      </p:ext>
+    </p:extLst>
+  </p:cSld>
+  <p:clrMapOvr>
+    <a:masterClrMapping/>
+  </p:clrMapOvr>
+</p:notes>
+</file>
+
+<file path=ppt/notesSlides/notesSlide21.xml><?xml version="1.0" encoding="utf-8"?>
+<p:notes xmlns:a="http://schemas.openxmlformats.org/drawingml/2006/main" xmlns:r="http://schemas.openxmlformats.org/officeDocument/2006/relationships" xmlns:p="http://schemas.openxmlformats.org/presentationml/2006/main">
+  <p:cSld>
+    <p:spTree>
+      <p:nvGrpSpPr>
+        <p:cNvPr id="1" name=""/>
+        <p:cNvGrpSpPr/>
+        <p:nvPr/>
+      </p:nvGrpSpPr>
+      <p:grpSpPr>
+        <a:xfrm>
+          <a:off x="0" y="0"/>
+          <a:ext cx="0" cy="0"/>
+          <a:chOff x="0" y="0"/>
+          <a:chExt cx="0" cy="0"/>
+        </a:xfrm>
+      </p:grpSpPr>
+      <p:sp>
+        <p:nvSpPr>
+          <p:cNvPr id="2" name="Marcador de imagen de diapositiva 1"/>
+          <p:cNvSpPr>
+            <a:spLocks noGrp="1" noRot="1" noChangeAspect="1"/>
+          </p:cNvSpPr>
+          <p:nvPr>
+            <p:ph type="sldImg"/>
+          </p:nvPr>
+        </p:nvSpPr>
+        <p:spPr/>
+      </p:sp>
+      <p:sp>
+        <p:nvSpPr>
+          <p:cNvPr id="3" name="Marcador de notas 2"/>
+          <p:cNvSpPr>
+            <a:spLocks noGrp="1"/>
+          </p:cNvSpPr>
+          <p:nvPr>
+            <p:ph type="body" idx="1"/>
+          </p:nvPr>
+        </p:nvSpPr>
+        <p:spPr/>
+        <p:txBody>
+          <a:bodyPr/>
+          <a:lstStyle/>
+          <a:p>
+            <a:endParaRPr lang="es-ES" dirty="0"/>
+          </a:p>
+        </p:txBody>
+      </p:sp>
+      <p:sp>
+        <p:nvSpPr>
+          <p:cNvPr id="4" name="Marcador de número de diapositiva 3"/>
+          <p:cNvSpPr>
+            <a:spLocks noGrp="1"/>
+          </p:cNvSpPr>
+          <p:nvPr>
+            <p:ph type="sldNum" sz="quarter" idx="10"/>
+          </p:nvPr>
+        </p:nvSpPr>
+        <p:spPr/>
+        <p:txBody>
+          <a:bodyPr/>
+          <a:lstStyle/>
+          <a:p>
+            <a:pPr rtl="0"/>
+            <a:fld id="{893B0CF2-7F87-4E02-A248-870047730F99}" type="slidenum">
+              <a:rPr lang="es-ES" smtClean="0"/>
+              <a:t>21</a:t>
             </a:fld>
             <a:endParaRPr lang="es-ES" dirty="0"/>
           </a:p>
@@ -2593,7 +2679,7 @@
           <a:p>
             <a:pPr rtl="0"/>
             <a:r>
-              <a:rPr lang="es-ES" noProof="0" smtClean="0"/>
+              <a:rPr lang="es-ES" noProof="0"/>
               <a:t>Haga clic para modificar el estilo de título del patrón</a:t>
             </a:r>
             <a:endParaRPr kumimoji="0" lang="es-ES" noProof="0" dirty="0"/>
@@ -2655,7 +2741,7 @@
           <a:p>
             <a:pPr rtl="0"/>
             <a:r>
-              <a:rPr lang="es-ES" noProof="0" smtClean="0"/>
+              <a:rPr lang="es-ES" noProof="0"/>
               <a:t>Haga clic para modificar el estilo de subtítulo del patrón</a:t>
             </a:r>
             <a:endParaRPr kumimoji="0" lang="es-ES" noProof="0" dirty="0"/>
@@ -2680,7 +2766,7 @@
             <a:pPr rtl="0"/>
             <a:fld id="{C7F0D198-0886-401E-862C-EF3536AA44DD}" type="datetime1">
               <a:rPr lang="es-ES" noProof="0" smtClean="0"/>
-              <a:t>09/07/2024</a:t>
+              <a:t>10/07/2024</a:t>
             </a:fld>
             <a:endParaRPr lang="es-ES" noProof="0" dirty="0"/>
           </a:p>
@@ -2792,7 +2878,7 @@
           <a:p>
             <a:pPr rtl="0"/>
             <a:r>
-              <a:rPr lang="es-ES" noProof="0" smtClean="0"/>
+              <a:rPr lang="es-ES" noProof="0"/>
               <a:t>Haga clic para modificar el estilo de título del patrón</a:t>
             </a:r>
             <a:endParaRPr kumimoji="0" lang="es-ES" noProof="0" dirty="0"/>
@@ -2816,35 +2902,35 @@
           <a:p>
             <a:pPr lvl="0" rtl="0" eaLnBrk="1" latinLnBrk="0" hangingPunct="1"/>
             <a:r>
-              <a:rPr lang="es-ES" noProof="0" smtClean="0"/>
+              <a:rPr lang="es-ES" noProof="0"/>
               <a:t>Haga clic para modificar el estilo de texto del patrón</a:t>
             </a:r>
           </a:p>
           <a:p>
             <a:pPr lvl="1" rtl="0" eaLnBrk="1" latinLnBrk="0" hangingPunct="1"/>
             <a:r>
-              <a:rPr lang="es-ES" noProof="0" smtClean="0"/>
+              <a:rPr lang="es-ES" noProof="0"/>
               <a:t>Segundo nivel</a:t>
             </a:r>
           </a:p>
           <a:p>
             <a:pPr lvl="2" rtl="0" eaLnBrk="1" latinLnBrk="0" hangingPunct="1"/>
             <a:r>
-              <a:rPr lang="es-ES" noProof="0" smtClean="0"/>
+              <a:rPr lang="es-ES" noProof="0"/>
               <a:t>Tercer nivel</a:t>
             </a:r>
           </a:p>
           <a:p>
             <a:pPr lvl="3" rtl="0" eaLnBrk="1" latinLnBrk="0" hangingPunct="1"/>
             <a:r>
-              <a:rPr lang="es-ES" noProof="0" smtClean="0"/>
+              <a:rPr lang="es-ES" noProof="0"/>
               <a:t>Cuarto nivel</a:t>
             </a:r>
           </a:p>
           <a:p>
             <a:pPr lvl="4" rtl="0" eaLnBrk="1" latinLnBrk="0" hangingPunct="1"/>
             <a:r>
-              <a:rPr lang="es-ES" noProof="0" smtClean="0"/>
+              <a:rPr lang="es-ES" noProof="0"/>
               <a:t>Quinto nivel</a:t>
             </a:r>
             <a:endParaRPr kumimoji="0" lang="es-ES" noProof="0" dirty="0"/>
@@ -2869,7 +2955,7 @@
             <a:pPr rtl="0"/>
             <a:fld id="{52E184A9-C1BE-4691-8290-38F7E3B9E2EA}" type="datetime1">
               <a:rPr lang="es-ES" noProof="0" smtClean="0"/>
-              <a:t>09/07/2024</a:t>
+              <a:t>10/07/2024</a:t>
             </a:fld>
             <a:endParaRPr lang="es-ES" noProof="0" dirty="0"/>
           </a:p>
@@ -2986,7 +3072,7 @@
           <a:p>
             <a:pPr rtl="0"/>
             <a:r>
-              <a:rPr lang="es-ES" noProof="0" smtClean="0"/>
+              <a:rPr lang="es-ES" noProof="0"/>
               <a:t>Haga clic para modificar el estilo de título del patrón</a:t>
             </a:r>
             <a:endParaRPr kumimoji="0" lang="es-ES" noProof="0" dirty="0"/>
@@ -3015,35 +3101,35 @@
           <a:p>
             <a:pPr lvl="0" rtl="0" eaLnBrk="1" latinLnBrk="0" hangingPunct="1"/>
             <a:r>
-              <a:rPr lang="es-ES" noProof="0" smtClean="0"/>
+              <a:rPr lang="es-ES" noProof="0"/>
               <a:t>Haga clic para modificar el estilo de texto del patrón</a:t>
             </a:r>
           </a:p>
           <a:p>
             <a:pPr lvl="1" rtl="0" eaLnBrk="1" latinLnBrk="0" hangingPunct="1"/>
             <a:r>
-              <a:rPr lang="es-ES" noProof="0" smtClean="0"/>
+              <a:rPr lang="es-ES" noProof="0"/>
               <a:t>Segundo nivel</a:t>
             </a:r>
           </a:p>
           <a:p>
             <a:pPr lvl="2" rtl="0" eaLnBrk="1" latinLnBrk="0" hangingPunct="1"/>
             <a:r>
-              <a:rPr lang="es-ES" noProof="0" smtClean="0"/>
+              <a:rPr lang="es-ES" noProof="0"/>
               <a:t>Tercer nivel</a:t>
             </a:r>
           </a:p>
           <a:p>
             <a:pPr lvl="3" rtl="0" eaLnBrk="1" latinLnBrk="0" hangingPunct="1"/>
             <a:r>
-              <a:rPr lang="es-ES" noProof="0" smtClean="0"/>
+              <a:rPr lang="es-ES" noProof="0"/>
               <a:t>Cuarto nivel</a:t>
             </a:r>
           </a:p>
           <a:p>
             <a:pPr lvl="4" rtl="0" eaLnBrk="1" latinLnBrk="0" hangingPunct="1"/>
             <a:r>
-              <a:rPr lang="es-ES" noProof="0" smtClean="0"/>
+              <a:rPr lang="es-ES" noProof="0"/>
               <a:t>Quinto nivel</a:t>
             </a:r>
             <a:endParaRPr kumimoji="0" lang="es-ES" noProof="0" dirty="0"/>
@@ -3068,7 +3154,7 @@
             <a:pPr rtl="0"/>
             <a:fld id="{CE537EF8-1A52-460D-8FA5-88CB8E631AE8}" type="datetime1">
               <a:rPr lang="es-ES" noProof="0" smtClean="0"/>
-              <a:t>09/07/2024</a:t>
+              <a:t>10/07/2024</a:t>
             </a:fld>
             <a:endParaRPr lang="es-ES" noProof="0" dirty="0"/>
           </a:p>
@@ -3180,7 +3266,7 @@
           <a:p>
             <a:pPr rtl="0"/>
             <a:r>
-              <a:rPr lang="es-ES" noProof="0" smtClean="0"/>
+              <a:rPr lang="es-ES" noProof="0"/>
               <a:t>Haga clic para modificar el estilo de título del patrón</a:t>
             </a:r>
             <a:endParaRPr kumimoji="0" lang="es-ES" noProof="0" dirty="0"/>
@@ -3204,35 +3290,35 @@
           <a:p>
             <a:pPr lvl="0" rtl="0" eaLnBrk="1" latinLnBrk="0" hangingPunct="1"/>
             <a:r>
-              <a:rPr lang="es-ES" noProof="0" smtClean="0"/>
+              <a:rPr lang="es-ES" noProof="0"/>
               <a:t>Haga clic para modificar el estilo de texto del patrón</a:t>
             </a:r>
           </a:p>
           <a:p>
             <a:pPr lvl="1" rtl="0" eaLnBrk="1" latinLnBrk="0" hangingPunct="1"/>
             <a:r>
-              <a:rPr lang="es-ES" noProof="0" smtClean="0"/>
+              <a:rPr lang="es-ES" noProof="0"/>
               <a:t>Segundo nivel</a:t>
             </a:r>
           </a:p>
           <a:p>
             <a:pPr lvl="2" rtl="0" eaLnBrk="1" latinLnBrk="0" hangingPunct="1"/>
             <a:r>
-              <a:rPr lang="es-ES" noProof="0" smtClean="0"/>
+              <a:rPr lang="es-ES" noProof="0"/>
               <a:t>Tercer nivel</a:t>
             </a:r>
           </a:p>
           <a:p>
             <a:pPr lvl="3" rtl="0" eaLnBrk="1" latinLnBrk="0" hangingPunct="1"/>
             <a:r>
-              <a:rPr lang="es-ES" noProof="0" smtClean="0"/>
+              <a:rPr lang="es-ES" noProof="0"/>
               <a:t>Cuarto nivel</a:t>
             </a:r>
           </a:p>
           <a:p>
             <a:pPr lvl="4" rtl="0" eaLnBrk="1" latinLnBrk="0" hangingPunct="1"/>
             <a:r>
-              <a:rPr lang="es-ES" noProof="0" smtClean="0"/>
+              <a:rPr lang="es-ES" noProof="0"/>
               <a:t>Quinto nivel</a:t>
             </a:r>
             <a:endParaRPr kumimoji="0" lang="es-ES" noProof="0" dirty="0"/>
@@ -3257,7 +3343,7 @@
             <a:pPr rtl="0"/>
             <a:fld id="{D2672DA2-4E32-43A8-88C9-F7DB2E98E079}" type="datetime1">
               <a:rPr lang="es-ES" noProof="0" smtClean="0"/>
-              <a:t>09/07/2024</a:t>
+              <a:t>10/07/2024</a:t>
             </a:fld>
             <a:endParaRPr lang="es-ES" noProof="0" dirty="0"/>
           </a:p>
@@ -3407,7 +3493,7 @@
           <a:p>
             <a:pPr rtl="0"/>
             <a:r>
-              <a:rPr lang="es-ES" noProof="0" smtClean="0"/>
+              <a:rPr lang="es-ES" noProof="0"/>
               <a:t>Haga clic para modificar el estilo de título del patrón</a:t>
             </a:r>
             <a:endParaRPr kumimoji="0" lang="es-ES" noProof="0" dirty="0"/>
@@ -3485,7 +3571,7 @@
           <a:p>
             <a:pPr lvl="0" rtl="0" eaLnBrk="1" latinLnBrk="0" hangingPunct="1"/>
             <a:r>
-              <a:rPr lang="es-ES" noProof="0" smtClean="0"/>
+              <a:rPr lang="es-ES" noProof="0"/>
               <a:t>Haga clic para modificar el estilo de texto del patrón</a:t>
             </a:r>
           </a:p>
@@ -3509,7 +3595,7 @@
             <a:pPr rtl="0"/>
             <a:fld id="{42540A2F-3117-4E4B-AFC9-CB157300D9A8}" type="datetime1">
               <a:rPr lang="es-ES" noProof="0" smtClean="0"/>
-              <a:t>09/07/2024</a:t>
+              <a:t>10/07/2024</a:t>
             </a:fld>
             <a:endParaRPr lang="es-ES" noProof="0" dirty="0"/>
           </a:p>
@@ -3626,7 +3712,7 @@
           <a:p>
             <a:pPr rtl="0"/>
             <a:r>
-              <a:rPr lang="es-ES" noProof="0" smtClean="0"/>
+              <a:rPr lang="es-ES" noProof="0"/>
               <a:t>Haga clic para modificar el estilo de título del patrón</a:t>
             </a:r>
             <a:endParaRPr kumimoji="0" lang="es-ES" noProof="0" dirty="0"/>
@@ -3671,35 +3757,35 @@
           <a:p>
             <a:pPr lvl="0" rtl="0" eaLnBrk="1" latinLnBrk="0" hangingPunct="1"/>
             <a:r>
-              <a:rPr lang="es-ES" noProof="0" smtClean="0"/>
+              <a:rPr lang="es-ES" noProof="0"/>
               <a:t>Haga clic para modificar el estilo de texto del patrón</a:t>
             </a:r>
           </a:p>
           <a:p>
             <a:pPr lvl="1" rtl="0" eaLnBrk="1" latinLnBrk="0" hangingPunct="1"/>
             <a:r>
-              <a:rPr lang="es-ES" noProof="0" smtClean="0"/>
+              <a:rPr lang="es-ES" noProof="0"/>
               <a:t>Segundo nivel</a:t>
             </a:r>
           </a:p>
           <a:p>
             <a:pPr lvl="2" rtl="0" eaLnBrk="1" latinLnBrk="0" hangingPunct="1"/>
             <a:r>
-              <a:rPr lang="es-ES" noProof="0" smtClean="0"/>
+              <a:rPr lang="es-ES" noProof="0"/>
               <a:t>Tercer nivel</a:t>
             </a:r>
           </a:p>
           <a:p>
             <a:pPr lvl="3" rtl="0" eaLnBrk="1" latinLnBrk="0" hangingPunct="1"/>
             <a:r>
-              <a:rPr lang="es-ES" noProof="0" smtClean="0"/>
+              <a:rPr lang="es-ES" noProof="0"/>
               <a:t>Cuarto nivel</a:t>
             </a:r>
           </a:p>
           <a:p>
             <a:pPr lvl="4" rtl="0" eaLnBrk="1" latinLnBrk="0" hangingPunct="1"/>
             <a:r>
-              <a:rPr lang="es-ES" noProof="0" smtClean="0"/>
+              <a:rPr lang="es-ES" noProof="0"/>
               <a:t>Quinto nivel</a:t>
             </a:r>
             <a:endParaRPr kumimoji="0" lang="es-ES" noProof="0" dirty="0"/>
@@ -3744,35 +3830,35 @@
           <a:p>
             <a:pPr lvl="0" rtl="0" eaLnBrk="1" latinLnBrk="0" hangingPunct="1"/>
             <a:r>
-              <a:rPr lang="es-ES" noProof="0" smtClean="0"/>
+              <a:rPr lang="es-ES" noProof="0"/>
               <a:t>Haga clic para modificar el estilo de texto del patrón</a:t>
             </a:r>
           </a:p>
           <a:p>
             <a:pPr lvl="1" rtl="0" eaLnBrk="1" latinLnBrk="0" hangingPunct="1"/>
             <a:r>
-              <a:rPr lang="es-ES" noProof="0" smtClean="0"/>
+              <a:rPr lang="es-ES" noProof="0"/>
               <a:t>Segundo nivel</a:t>
             </a:r>
           </a:p>
           <a:p>
             <a:pPr lvl="2" rtl="0" eaLnBrk="1" latinLnBrk="0" hangingPunct="1"/>
             <a:r>
-              <a:rPr lang="es-ES" noProof="0" smtClean="0"/>
+              <a:rPr lang="es-ES" noProof="0"/>
               <a:t>Tercer nivel</a:t>
             </a:r>
           </a:p>
           <a:p>
             <a:pPr lvl="3" rtl="0" eaLnBrk="1" latinLnBrk="0" hangingPunct="1"/>
             <a:r>
-              <a:rPr lang="es-ES" noProof="0" smtClean="0"/>
+              <a:rPr lang="es-ES" noProof="0"/>
               <a:t>Cuarto nivel</a:t>
             </a:r>
           </a:p>
           <a:p>
             <a:pPr lvl="4" rtl="0" eaLnBrk="1" latinLnBrk="0" hangingPunct="1"/>
             <a:r>
-              <a:rPr lang="es-ES" noProof="0" smtClean="0"/>
+              <a:rPr lang="es-ES" noProof="0"/>
               <a:t>Quinto nivel</a:t>
             </a:r>
             <a:endParaRPr kumimoji="0" lang="es-ES" noProof="0" dirty="0"/>
@@ -3797,7 +3883,7 @@
             <a:pPr rtl="0"/>
             <a:fld id="{34983E3B-19EF-4B0A-B85C-B5EE2F3F66E9}" type="datetime1">
               <a:rPr lang="es-ES" noProof="0" smtClean="0"/>
-              <a:t>09/07/2024</a:t>
+              <a:t>10/07/2024</a:t>
             </a:fld>
             <a:endParaRPr lang="es-ES" noProof="0" dirty="0"/>
           </a:p>
@@ -3918,7 +4004,7 @@
           <a:p>
             <a:pPr rtl="0"/>
             <a:r>
-              <a:rPr lang="es-ES" noProof="0" smtClean="0"/>
+              <a:rPr lang="es-ES" noProof="0"/>
               <a:t>Haga clic para modificar el estilo de título del patrón</a:t>
             </a:r>
             <a:endParaRPr kumimoji="0" lang="es-ES" noProof="0" dirty="0"/>
@@ -3975,7 +4061,7 @@
           <a:p>
             <a:pPr lvl="0" rtl="0" eaLnBrk="1" latinLnBrk="0" hangingPunct="1"/>
             <a:r>
-              <a:rPr lang="es-ES" noProof="0" smtClean="0"/>
+              <a:rPr lang="es-ES" noProof="0"/>
               <a:t>Haga clic para modificar el estilo de texto del patrón</a:t>
             </a:r>
           </a:p>
@@ -4019,35 +4105,35 @@
           <a:p>
             <a:pPr lvl="0" rtl="0" eaLnBrk="1" latinLnBrk="0" hangingPunct="1"/>
             <a:r>
-              <a:rPr lang="es-ES" noProof="0" smtClean="0"/>
+              <a:rPr lang="es-ES" noProof="0"/>
               <a:t>Haga clic para modificar el estilo de texto del patrón</a:t>
             </a:r>
           </a:p>
           <a:p>
             <a:pPr lvl="1" rtl="0" eaLnBrk="1" latinLnBrk="0" hangingPunct="1"/>
             <a:r>
-              <a:rPr lang="es-ES" noProof="0" smtClean="0"/>
+              <a:rPr lang="es-ES" noProof="0"/>
               <a:t>Segundo nivel</a:t>
             </a:r>
           </a:p>
           <a:p>
             <a:pPr lvl="2" rtl="0" eaLnBrk="1" latinLnBrk="0" hangingPunct="1"/>
             <a:r>
-              <a:rPr lang="es-ES" noProof="0" smtClean="0"/>
+              <a:rPr lang="es-ES" noProof="0"/>
               <a:t>Tercer nivel</a:t>
             </a:r>
           </a:p>
           <a:p>
             <a:pPr lvl="3" rtl="0" eaLnBrk="1" latinLnBrk="0" hangingPunct="1"/>
             <a:r>
-              <a:rPr lang="es-ES" noProof="0" smtClean="0"/>
+              <a:rPr lang="es-ES" noProof="0"/>
               <a:t>Cuarto nivel</a:t>
             </a:r>
           </a:p>
           <a:p>
             <a:pPr lvl="4" rtl="0" eaLnBrk="1" latinLnBrk="0" hangingPunct="1"/>
             <a:r>
-              <a:rPr lang="es-ES" noProof="0" smtClean="0"/>
+              <a:rPr lang="es-ES" noProof="0"/>
               <a:t>Quinto nivel</a:t>
             </a:r>
             <a:endParaRPr kumimoji="0" lang="es-ES" noProof="0" dirty="0"/>
@@ -4102,7 +4188,7 @@
           <a:p>
             <a:pPr lvl="0" rtl="0" eaLnBrk="1" latinLnBrk="0" hangingPunct="1"/>
             <a:r>
-              <a:rPr lang="es-ES" noProof="0" smtClean="0"/>
+              <a:rPr lang="es-ES" noProof="0"/>
               <a:t>Haga clic para modificar el estilo de texto del patrón</a:t>
             </a:r>
           </a:p>
@@ -4146,35 +4232,35 @@
           <a:p>
             <a:pPr lvl="0" rtl="0" eaLnBrk="1" latinLnBrk="0" hangingPunct="1"/>
             <a:r>
-              <a:rPr lang="es-ES" noProof="0" smtClean="0"/>
+              <a:rPr lang="es-ES" noProof="0"/>
               <a:t>Haga clic para modificar el estilo de texto del patrón</a:t>
             </a:r>
           </a:p>
           <a:p>
             <a:pPr lvl="1" rtl="0" eaLnBrk="1" latinLnBrk="0" hangingPunct="1"/>
             <a:r>
-              <a:rPr lang="es-ES" noProof="0" smtClean="0"/>
+              <a:rPr lang="es-ES" noProof="0"/>
               <a:t>Segundo nivel</a:t>
             </a:r>
           </a:p>
           <a:p>
             <a:pPr lvl="2" rtl="0" eaLnBrk="1" latinLnBrk="0" hangingPunct="1"/>
             <a:r>
-              <a:rPr lang="es-ES" noProof="0" smtClean="0"/>
+              <a:rPr lang="es-ES" noProof="0"/>
               <a:t>Tercer nivel</a:t>
             </a:r>
           </a:p>
           <a:p>
             <a:pPr lvl="3" rtl="0" eaLnBrk="1" latinLnBrk="0" hangingPunct="1"/>
             <a:r>
-              <a:rPr lang="es-ES" noProof="0" smtClean="0"/>
+              <a:rPr lang="es-ES" noProof="0"/>
               <a:t>Cuarto nivel</a:t>
             </a:r>
           </a:p>
           <a:p>
             <a:pPr lvl="4" rtl="0" eaLnBrk="1" latinLnBrk="0" hangingPunct="1"/>
             <a:r>
-              <a:rPr lang="es-ES" noProof="0" smtClean="0"/>
+              <a:rPr lang="es-ES" noProof="0"/>
               <a:t>Quinto nivel</a:t>
             </a:r>
             <a:endParaRPr kumimoji="0" lang="es-ES" noProof="0" dirty="0"/>
@@ -4199,7 +4285,7 @@
             <a:pPr rtl="0"/>
             <a:fld id="{51EE2287-7AED-4508-BA8B-A33013696AEC}" type="datetime1">
               <a:rPr lang="es-ES" noProof="0" smtClean="0"/>
-              <a:t>09/07/2024</a:t>
+              <a:t>10/07/2024</a:t>
             </a:fld>
             <a:endParaRPr lang="es-ES" noProof="0" dirty="0"/>
           </a:p>
@@ -4348,7 +4434,7 @@
           <a:p>
             <a:pPr rtl="0"/>
             <a:r>
-              <a:rPr lang="es-ES" noProof="0" smtClean="0"/>
+              <a:rPr lang="es-ES" noProof="0"/>
               <a:t>Haga clic para modificar el estilo de título del patrón</a:t>
             </a:r>
             <a:endParaRPr kumimoji="0" lang="es-ES" noProof="0" dirty="0"/>
@@ -4373,7 +4459,7 @@
             <a:pPr rtl="0"/>
             <a:fld id="{30BD4DFD-A822-4FD8-BFBF-197CBA855426}" type="datetime1">
               <a:rPr lang="es-ES" noProof="0" smtClean="0"/>
-              <a:t>09/07/2024</a:t>
+              <a:t>10/07/2024</a:t>
             </a:fld>
             <a:endParaRPr lang="es-ES" noProof="0" dirty="0"/>
           </a:p>
@@ -4486,7 +4572,7 @@
             <a:pPr rtl="0"/>
             <a:fld id="{A284916D-9C1E-4B35-A1BA-B043FBD4F6CF}" type="datetime1">
               <a:rPr lang="es-ES" noProof="0" smtClean="0"/>
-              <a:t>09/07/2024</a:t>
+              <a:t>10/07/2024</a:t>
             </a:fld>
             <a:endParaRPr lang="es-ES" noProof="0" dirty="0"/>
           </a:p>
@@ -4624,7 +4710,7 @@
           <a:p>
             <a:pPr rtl="0"/>
             <a:r>
-              <a:rPr lang="es-ES" noProof="0" smtClean="0"/>
+              <a:rPr lang="es-ES" noProof="0"/>
               <a:t>Haga clic para modificar el estilo de título del patrón</a:t>
             </a:r>
             <a:endParaRPr kumimoji="0" lang="es-ES" noProof="0" dirty="0"/>
@@ -4669,35 +4755,35 @@
           <a:p>
             <a:pPr lvl="0" rtl="0" eaLnBrk="1" latinLnBrk="0" hangingPunct="1"/>
             <a:r>
-              <a:rPr lang="es-ES" noProof="0" smtClean="0"/>
+              <a:rPr lang="es-ES" noProof="0"/>
               <a:t>Haga clic para modificar el estilo de texto del patrón</a:t>
             </a:r>
           </a:p>
           <a:p>
             <a:pPr lvl="1" rtl="0" eaLnBrk="1" latinLnBrk="0" hangingPunct="1"/>
             <a:r>
-              <a:rPr lang="es-ES" noProof="0" smtClean="0"/>
+              <a:rPr lang="es-ES" noProof="0"/>
               <a:t>Segundo nivel</a:t>
             </a:r>
           </a:p>
           <a:p>
             <a:pPr lvl="2" rtl="0" eaLnBrk="1" latinLnBrk="0" hangingPunct="1"/>
             <a:r>
-              <a:rPr lang="es-ES" noProof="0" smtClean="0"/>
+              <a:rPr lang="es-ES" noProof="0"/>
               <a:t>Tercer nivel</a:t>
             </a:r>
           </a:p>
           <a:p>
             <a:pPr lvl="3" rtl="0" eaLnBrk="1" latinLnBrk="0" hangingPunct="1"/>
             <a:r>
-              <a:rPr lang="es-ES" noProof="0" smtClean="0"/>
+              <a:rPr lang="es-ES" noProof="0"/>
               <a:t>Cuarto nivel</a:t>
             </a:r>
           </a:p>
           <a:p>
             <a:pPr lvl="4" rtl="0" eaLnBrk="1" latinLnBrk="0" hangingPunct="1"/>
             <a:r>
-              <a:rPr lang="es-ES" noProof="0" smtClean="0"/>
+              <a:rPr lang="es-ES" noProof="0"/>
               <a:t>Quinto nivel</a:t>
             </a:r>
             <a:endParaRPr kumimoji="0" lang="es-ES" noProof="0" dirty="0"/>
@@ -4747,7 +4833,7 @@
           <a:p>
             <a:pPr lvl="0" rtl="0" eaLnBrk="1" latinLnBrk="0" hangingPunct="1"/>
             <a:r>
-              <a:rPr lang="es-ES" noProof="0" smtClean="0"/>
+              <a:rPr lang="es-ES" noProof="0"/>
               <a:t>Haga clic para modificar el estilo de texto del patrón</a:t>
             </a:r>
           </a:p>
@@ -4771,7 +4857,7 @@
             <a:pPr rtl="0"/>
             <a:fld id="{A8EDA92C-EA07-4844-A9C0-7671CE0A3023}" type="datetime1">
               <a:rPr lang="es-ES" noProof="0" smtClean="0"/>
-              <a:t>09/07/2024</a:t>
+              <a:t>10/07/2024</a:t>
             </a:fld>
             <a:endParaRPr lang="es-ES" noProof="0" dirty="0"/>
           </a:p>
@@ -5009,7 +5095,7 @@
           <a:p>
             <a:pPr rtl="0"/>
             <a:r>
-              <a:rPr lang="es-ES" noProof="0" smtClean="0"/>
+              <a:rPr lang="es-ES" noProof="0"/>
               <a:t>Haga clic para modificar el estilo de título del patrón</a:t>
             </a:r>
             <a:endParaRPr kumimoji="0" lang="es-ES" noProof="0" dirty="0"/>
@@ -5056,7 +5142,7 @@
           <a:p>
             <a:pPr rtl="0"/>
             <a:r>
-              <a:rPr lang="es-ES" noProof="0" smtClean="0"/>
+              <a:rPr lang="es-ES" noProof="0"/>
               <a:t>Haga clic en el icono para agregar una imagen</a:t>
             </a:r>
             <a:endParaRPr kumimoji="0" lang="es-ES" noProof="0" dirty="0"/>
@@ -5106,7 +5192,7 @@
           <a:p>
             <a:pPr lvl="0" rtl="0" eaLnBrk="1" latinLnBrk="0" hangingPunct="1"/>
             <a:r>
-              <a:rPr lang="es-ES" noProof="0" smtClean="0"/>
+              <a:rPr lang="es-ES" noProof="0"/>
               <a:t>Haga clic para modificar el estilo de texto del patrón</a:t>
             </a:r>
           </a:p>
@@ -5130,7 +5216,7 @@
             <a:pPr rtl="0"/>
             <a:fld id="{30A37C7A-AEB8-4B08-B7A3-C61470375C39}" type="datetime1">
               <a:rPr lang="es-ES" noProof="0" smtClean="0"/>
-              <a:t>09/07/2024</a:t>
+              <a:t>10/07/2024</a:t>
             </a:fld>
             <a:endParaRPr lang="es-ES" noProof="0" dirty="0"/>
           </a:p>
@@ -6100,38 +6186,37 @@
           <a:p>
             <a:pPr lvl="0" rtl="0" eaLnBrk="1" latinLnBrk="0" hangingPunct="1"/>
             <a:r>
-              <a:rPr lang="es-ES" noProof="0" dirty="0" smtClean="0"/>
+              <a:rPr lang="es-ES" noProof="0" dirty="0"/>
               <a:t>Haga clic para modificar los estilos de texto del patrón</a:t>
             </a:r>
           </a:p>
           <a:p>
             <a:pPr lvl="1" rtl="0" eaLnBrk="1" latinLnBrk="0" hangingPunct="1"/>
             <a:r>
-              <a:rPr lang="es-ES" noProof="0" dirty="0" smtClean="0"/>
+              <a:rPr lang="es-ES" noProof="0" dirty="0"/>
               <a:t>Segundo nivel</a:t>
             </a:r>
           </a:p>
           <a:p>
             <a:pPr lvl="2" rtl="0" eaLnBrk="1" latinLnBrk="0" hangingPunct="1"/>
             <a:r>
-              <a:rPr lang="es-ES" noProof="0" dirty="0" smtClean="0"/>
+              <a:rPr lang="es-ES" noProof="0" dirty="0"/>
               <a:t>Tercer nivel</a:t>
             </a:r>
           </a:p>
           <a:p>
             <a:pPr lvl="3" rtl="0" eaLnBrk="1" latinLnBrk="0" hangingPunct="1"/>
             <a:r>
-              <a:rPr lang="es-ES" noProof="0" dirty="0" smtClean="0"/>
+              <a:rPr lang="es-ES" noProof="0" dirty="0"/>
               <a:t>Cuarto nivel</a:t>
             </a:r>
           </a:p>
           <a:p>
             <a:pPr lvl="4" rtl="0" eaLnBrk="1" latinLnBrk="0" hangingPunct="1"/>
             <a:r>
-              <a:rPr lang="es-ES" noProof="0" dirty="0" smtClean="0"/>
+              <a:rPr lang="es-ES" noProof="0" dirty="0"/>
               <a:t>Quinto nivel</a:t>
             </a:r>
-            <a:endParaRPr lang="es-ES" noProof="0" dirty="0"/>
           </a:p>
         </p:txBody>
       </p:sp>
@@ -6169,7 +6254,7 @@
             <a:pPr rtl="0"/>
             <a:fld id="{1811FD10-D06B-4536-8048-7D2897F296FB}" type="datetime1">
               <a:rPr lang="es-ES" noProof="0" smtClean="0"/>
-              <a:t>09/07/2024</a:t>
+              <a:t>10/07/2024</a:t>
             </a:fld>
             <a:endParaRPr lang="es-ES" noProof="0" dirty="0"/>
           </a:p>
@@ -6634,10 +6719,9 @@
           <a:p>
             <a:pPr rtl="0"/>
             <a:r>
-              <a:rPr lang="es-ES" sz="9600" dirty="0" smtClean="0"/>
+              <a:rPr lang="es-ES" sz="9600" dirty="0"/>
               <a:t>Trabajo Final</a:t>
             </a:r>
-            <a:endParaRPr lang="es-ES" sz="9600" dirty="0"/>
           </a:p>
         </p:txBody>
       </p:sp>
@@ -6663,10 +6747,9 @@
           <a:p>
             <a:pPr rtl="0"/>
             <a:r>
-              <a:rPr lang="es-ES" sz="2000" dirty="0" smtClean="0"/>
+              <a:rPr lang="es-ES" sz="2000" dirty="0"/>
               <a:t>Muestreo y Planificación de Encuestas</a:t>
             </a:r>
-            <a:endParaRPr lang="es-ES" sz="2000" dirty="0"/>
           </a:p>
           <a:p>
             <a:pPr rtl="0"/>
@@ -6881,15 +6964,15 @@
           </a:lstStyle>
           <a:p>
             <a:r>
-              <a:rPr lang="es-ES" sz="2000" dirty="0" smtClean="0"/>
+              <a:rPr lang="es-ES" sz="2000" dirty="0"/>
               <a:t>Luciana </a:t>
             </a:r>
             <a:r>
-              <a:rPr lang="es-ES" sz="2000" dirty="0" err="1" smtClean="0"/>
+              <a:rPr lang="es-ES" sz="2000" dirty="0" err="1"/>
               <a:t>Viscailuz</a:t>
             </a:r>
             <a:r>
-              <a:rPr lang="es-ES" sz="2000" dirty="0" smtClean="0"/>
+              <a:rPr lang="es-ES" sz="2000" dirty="0"/>
               <a:t> y Fabricio Camacho</a:t>
             </a:r>
           </a:p>
@@ -6920,13 +7003,6 @@
       </p:transition>
     </mc:Fallback>
   </mc:AlternateContent>
-  <p:timing>
-    <p:tnLst>
-      <p:par>
-        <p:cTn id="1" dur="indefinite" restart="never" nodeType="tmRoot"/>
-      </p:par>
-    </p:tnLst>
-  </p:timing>
 </p:sld>
 </file>
 
@@ -6964,10 +7040,9 @@
           <a:p>
             <a:pPr rtl="0"/>
             <a:r>
-              <a:rPr lang="es-ES" dirty="0" smtClean="0"/>
+              <a:rPr lang="es-ES" dirty="0"/>
               <a:t>Resultados</a:t>
             </a:r>
-            <a:endParaRPr lang="es-ES" dirty="0"/>
           </a:p>
         </p:txBody>
       </p:sp>
@@ -6995,7 +7070,7 @@
           <a:p>
             <a:pPr rtl="0"/>
             <a:r>
-              <a:rPr lang="es-ES" dirty="0" smtClean="0"/>
+              <a:rPr lang="es-ES" dirty="0"/>
               <a:t>Estimaciones</a:t>
             </a:r>
           </a:p>
@@ -7007,7 +7082,7 @@
             <a:pPr marL="0" indent="0" rtl="0">
               <a:buNone/>
             </a:pPr>
-            <a:endParaRPr lang="es-ES" dirty="0" smtClean="0"/>
+            <a:endParaRPr lang="es-ES" dirty="0"/>
           </a:p>
         </p:txBody>
       </p:sp>
@@ -7045,25 +7120,18 @@
   <p:clrMapOvr>
     <a:masterClrMapping/>
   </p:clrMapOvr>
-  <mc:AlternateContent xmlns:mc="http://schemas.openxmlformats.org/markup-compatibility/2006">
-    <mc:Choice xmlns:p14="http://schemas.microsoft.com/office/powerpoint/2010/main" Requires="p14">
+  <mc:AlternateContent xmlns:mc="http://schemas.openxmlformats.org/markup-compatibility/2006" xmlns:p14="http://schemas.microsoft.com/office/powerpoint/2010/main">
+    <mc:Choice Requires="p14">
       <p:transition spd="med" p14:dur="700">
         <p:fade/>
       </p:transition>
     </mc:Choice>
-    <mc:Fallback>
+    <mc:Fallback xmlns="">
       <p:transition spd="med">
         <p:fade/>
       </p:transition>
     </mc:Fallback>
   </mc:AlternateContent>
-  <p:timing>
-    <p:tnLst>
-      <p:par>
-        <p:cTn id="1" dur="indefinite" restart="never" nodeType="tmRoot"/>
-      </p:par>
-    </p:tnLst>
-  </p:timing>
 </p:sld>
 </file>
 
@@ -7101,10 +7169,9 @@
           <a:p>
             <a:pPr rtl="0"/>
             <a:r>
-              <a:rPr lang="es-ES" dirty="0" smtClean="0"/>
+              <a:rPr lang="es-ES" dirty="0"/>
               <a:t>Resultados</a:t>
             </a:r>
-            <a:endParaRPr lang="es-ES" dirty="0"/>
           </a:p>
         </p:txBody>
       </p:sp>
@@ -7131,40 +7198,27 @@
           <a:lstStyle/>
           <a:p>
             <a:r>
-              <a:rPr lang="es-UY" b="1" dirty="0" smtClean="0"/>
+              <a:rPr lang="es-UY" b="1" dirty="0"/>
               <a:t>¿</a:t>
             </a:r>
             <a:r>
-              <a:rPr lang="es-UY" dirty="0" smtClean="0"/>
-              <a:t>Qué </a:t>
-            </a:r>
-            <a:r>
               <a:rPr lang="es-UY" dirty="0"/>
-              <a:t>método para estimar varianza se utilizó</a:t>
-            </a:r>
-            <a:r>
-              <a:rPr lang="es-UY" dirty="0" smtClean="0"/>
-              <a:t>?</a:t>
-            </a:r>
-            <a:r>
-              <a:rPr lang="es-ES" dirty="0" smtClean="0"/>
+              <a:t>Qué método para estimar varianza se utilizó?</a:t>
+            </a:r>
+            <a:r>
+              <a:rPr lang="es-ES" dirty="0"/>
               <a:t> </a:t>
             </a:r>
-            <a:endParaRPr lang="es-ES" dirty="0" smtClean="0"/>
           </a:p>
           <a:p>
             <a:pPr lvl="1"/>
-            <a:endParaRPr lang="es-UY" dirty="0" smtClean="0"/>
+            <a:endParaRPr lang="es-UY" dirty="0"/>
           </a:p>
           <a:p>
             <a:pPr lvl="1"/>
             <a:r>
-              <a:rPr lang="es-UY" dirty="0" smtClean="0"/>
-              <a:t>Para </a:t>
-            </a:r>
-            <a:r>
               <a:rPr lang="es-UY" dirty="0"/>
-              <a:t>estimar la varianza se utilizó el método del último conglomerado junto con la </a:t>
+              <a:t>Para estimar la varianza se utilizó el método del último conglomerado junto con la </a:t>
             </a:r>
             <a:r>
               <a:rPr lang="es-UY" dirty="0" err="1"/>
@@ -7182,15 +7236,15 @@
               <a:rPr lang="es-UY" dirty="0"/>
               <a:t> de Taylor realiza una aproximación lineal del estimador y permite estimar la varianza utilizando métodos para estimadores lineales.</a:t>
             </a:r>
-            <a:endParaRPr lang="es-ES" dirty="0" smtClean="0"/>
-          </a:p>
-          <a:p>
-            <a:pPr rtl="0"/>
-            <a:endParaRPr lang="es-ES" dirty="0" smtClean="0"/>
-          </a:p>
-          <a:p>
-            <a:pPr rtl="0"/>
-            <a:endParaRPr lang="es-ES" dirty="0" smtClean="0"/>
+            <a:endParaRPr lang="es-ES" dirty="0"/>
+          </a:p>
+          <a:p>
+            <a:pPr rtl="0"/>
+            <a:endParaRPr lang="es-ES" dirty="0"/>
+          </a:p>
+          <a:p>
+            <a:pPr rtl="0"/>
+            <a:endParaRPr lang="es-ES" dirty="0"/>
           </a:p>
         </p:txBody>
       </p:sp>
@@ -7204,25 +7258,18 @@
   <p:clrMapOvr>
     <a:masterClrMapping/>
   </p:clrMapOvr>
-  <mc:AlternateContent xmlns:mc="http://schemas.openxmlformats.org/markup-compatibility/2006">
-    <mc:Choice xmlns:p14="http://schemas.microsoft.com/office/powerpoint/2010/main" Requires="p14">
+  <mc:AlternateContent xmlns:mc="http://schemas.openxmlformats.org/markup-compatibility/2006" xmlns:p14="http://schemas.microsoft.com/office/powerpoint/2010/main">
+    <mc:Choice Requires="p14">
       <p:transition spd="med" p14:dur="700">
         <p:fade/>
       </p:transition>
     </mc:Choice>
-    <mc:Fallback>
+    <mc:Fallback xmlns="">
       <p:transition spd="med">
         <p:fade/>
       </p:transition>
     </mc:Fallback>
   </mc:AlternateContent>
-  <p:timing>
-    <p:tnLst>
-      <p:par>
-        <p:cTn id="1" dur="indefinite" restart="never" nodeType="tmRoot"/>
-      </p:par>
-    </p:tnLst>
-  </p:timing>
 </p:sld>
 </file>
 
@@ -7260,10 +7307,9 @@
           <a:p>
             <a:pPr rtl="0"/>
             <a:r>
-              <a:rPr lang="es-ES" dirty="0" smtClean="0"/>
+              <a:rPr lang="es-ES" dirty="0"/>
               <a:t>Resultados</a:t>
             </a:r>
-            <a:endParaRPr lang="es-ES" dirty="0"/>
           </a:p>
         </p:txBody>
       </p:sp>
@@ -7290,16 +7336,16 @@
           <a:lstStyle/>
           <a:p>
             <a:r>
-              <a:rPr lang="es-UY" dirty="0" smtClean="0"/>
+              <a:rPr lang="es-UY" dirty="0"/>
               <a:t>Ingreso per cápita: 1726,827</a:t>
             </a:r>
           </a:p>
           <a:p>
-            <a:endParaRPr lang="es-UY" dirty="0" smtClean="0"/>
-          </a:p>
-          <a:p>
-            <a:r>
-              <a:rPr lang="es-UY" dirty="0" smtClean="0"/>
+            <a:endParaRPr lang="es-UY" dirty="0"/>
+          </a:p>
+          <a:p>
+            <a:r>
+              <a:rPr lang="es-UY" dirty="0"/>
               <a:t>Error estándar: 37,787</a:t>
             </a:r>
           </a:p>
@@ -7307,31 +7353,23 @@
             <a:pPr marL="393192" lvl="1" indent="0">
               <a:buNone/>
             </a:pPr>
-            <a:endParaRPr lang="es-UY" dirty="0" smtClean="0"/>
+            <a:endParaRPr lang="es-UY" dirty="0"/>
           </a:p>
           <a:p>
             <a:pPr lvl="1"/>
             <a:r>
-              <a:rPr lang="es-UY" dirty="0" smtClean="0"/>
-              <a:t>Se </a:t>
-            </a:r>
-            <a:r>
               <a:rPr lang="es-UY" dirty="0"/>
-              <a:t>obtiene un estimador complejo denominado "Ratio", debido a que surge como cociente de dos totales, ingresos totales en Montevideo y cantidad de habitantes</a:t>
-            </a:r>
-            <a:r>
-              <a:rPr lang="es-UY" dirty="0" smtClean="0"/>
-              <a:t>.</a:t>
+              <a:t>Se obtiene un estimador complejo denominado "Ratio", debido a que surge como cociente de dos totales, ingresos totales en Montevideo y cantidad de habitantes.</a:t>
             </a:r>
           </a:p>
           <a:p>
             <a:pPr lvl="1"/>
-            <a:endParaRPr lang="es-UY" dirty="0" smtClean="0"/>
+            <a:endParaRPr lang="es-UY" dirty="0"/>
           </a:p>
           <a:p>
             <a:pPr lvl="1"/>
             <a:r>
-              <a:rPr lang="es-UY" dirty="0" smtClean="0"/>
+              <a:rPr lang="es-UY" dirty="0"/>
               <a:t>El paquete </a:t>
             </a:r>
             <a:r>
@@ -7348,15 +7386,7 @@
             </a:r>
             <a:r>
               <a:rPr lang="es-UY" dirty="0"/>
-              <a:t> de Taylor" y se aproxima </a:t>
-            </a:r>
-            <a:r>
-              <a:rPr lang="es-UY" dirty="0" smtClean="0"/>
-              <a:t>el </a:t>
-            </a:r>
-            <a:r>
-              <a:rPr lang="es-UY" dirty="0"/>
-              <a:t>parámetro de interés, por su desarrollo de primer orden. Como se utiliza una aproximación del parámetro, finalmente se obtiene la varianza del </a:t>
+              <a:t> de Taylor" y se aproxima el parámetro de interés, por su desarrollo de primer orden. Como se utiliza una aproximación del parámetro, finalmente se obtiene la varianza del </a:t>
             </a:r>
             <a:r>
               <a:rPr lang="es-UY" dirty="0" err="1"/>
@@ -7364,40 +7394,28 @@
             </a:r>
             <a:r>
               <a:rPr lang="es-UY" dirty="0"/>
-              <a:t>-estimador que es la que se conoce como la aproximación de la </a:t>
-            </a:r>
-            <a:r>
-              <a:rPr lang="es-UY" dirty="0" smtClean="0"/>
-              <a:t>varianza.</a:t>
-            </a:r>
-          </a:p>
-          <a:p>
-            <a:pPr lvl="1"/>
-            <a:endParaRPr lang="es-UY" dirty="0" smtClean="0"/>
-          </a:p>
-          <a:p>
-            <a:pPr lvl="1"/>
-            <a:r>
-              <a:rPr lang="es-UY" dirty="0" smtClean="0"/>
-              <a:t>Al </a:t>
-            </a:r>
-            <a:r>
-              <a:rPr lang="es-UY" dirty="0"/>
-              <a:t>realizarle la raíz cuadrada a la estimación de la varianza se obtiene finalmente el </a:t>
-            </a:r>
-            <a:r>
-              <a:rPr lang="es-UY" dirty="0" smtClean="0"/>
-              <a:t>SE.</a:t>
-            </a:r>
-            <a:endParaRPr lang="es-ES" dirty="0"/>
+              <a:t>-estimador que es la que se conoce como la aproximación de la varianza.</a:t>
+            </a:r>
           </a:p>
           <a:p>
             <a:pPr lvl="1"/>
             <a:endParaRPr lang="es-UY" dirty="0"/>
           </a:p>
           <a:p>
-            <a:pPr rtl="0"/>
-            <a:endParaRPr lang="es-ES" dirty="0" smtClean="0"/>
+            <a:pPr lvl="1"/>
+            <a:r>
+              <a:rPr lang="es-UY" dirty="0"/>
+              <a:t>Al realizarle la raíz cuadrada a la estimación de la varianza se obtiene finalmente el SE.</a:t>
+            </a:r>
+            <a:endParaRPr lang="es-ES" dirty="0"/>
+          </a:p>
+          <a:p>
+            <a:pPr lvl="1"/>
+            <a:endParaRPr lang="es-UY" dirty="0"/>
+          </a:p>
+          <a:p>
+            <a:pPr rtl="0"/>
+            <a:endParaRPr lang="es-ES" dirty="0"/>
           </a:p>
         </p:txBody>
       </p:sp>
@@ -7411,25 +7429,18 @@
   <p:clrMapOvr>
     <a:masterClrMapping/>
   </p:clrMapOvr>
-  <mc:AlternateContent xmlns:mc="http://schemas.openxmlformats.org/markup-compatibility/2006">
-    <mc:Choice xmlns:p14="http://schemas.microsoft.com/office/powerpoint/2010/main" Requires="p14">
+  <mc:AlternateContent xmlns:mc="http://schemas.openxmlformats.org/markup-compatibility/2006" xmlns:p14="http://schemas.microsoft.com/office/powerpoint/2010/main">
+    <mc:Choice Requires="p14">
       <p:transition spd="med" p14:dur="700">
         <p:fade/>
       </p:transition>
     </mc:Choice>
-    <mc:Fallback>
+    <mc:Fallback xmlns="">
       <p:transition spd="med">
         <p:fade/>
       </p:transition>
     </mc:Fallback>
   </mc:AlternateContent>
-  <p:timing>
-    <p:tnLst>
-      <p:par>
-        <p:cTn id="1" dur="indefinite" restart="never" nodeType="tmRoot"/>
-      </p:par>
-    </p:tnLst>
-  </p:timing>
 </p:sld>
 </file>
 
@@ -7467,10 +7478,9 @@
           <a:p>
             <a:pPr rtl="0"/>
             <a:r>
-              <a:rPr lang="es-ES" dirty="0" smtClean="0"/>
+              <a:rPr lang="es-ES" dirty="0"/>
               <a:t>Resultados</a:t>
             </a:r>
-            <a:endParaRPr lang="es-ES" dirty="0"/>
           </a:p>
         </p:txBody>
       </p:sp>
@@ -7497,20 +7507,20 @@
           <a:lstStyle/>
           <a:p>
             <a:r>
-              <a:rPr lang="es-UY" dirty="0" smtClean="0"/>
+              <a:rPr lang="es-UY" dirty="0"/>
               <a:t>Estimación del error estándar a partir de los métodos de </a:t>
             </a:r>
             <a:r>
-              <a:rPr lang="es-UY" dirty="0" err="1" smtClean="0"/>
+              <a:rPr lang="es-UY" dirty="0" err="1"/>
               <a:t>remuestreo</a:t>
             </a:r>
             <a:r>
-              <a:rPr lang="es-UY" dirty="0" smtClean="0"/>
+              <a:rPr lang="es-UY" dirty="0"/>
               <a:t>:</a:t>
             </a:r>
           </a:p>
           <a:p>
-            <a:endParaRPr lang="es-UY" dirty="0" smtClean="0"/>
+            <a:endParaRPr lang="es-UY" dirty="0"/>
           </a:p>
           <a:p>
             <a:pPr marL="274320" lvl="1" indent="-274320">
@@ -7522,23 +7532,19 @@
               <a:buSzPct val="95000"/>
             </a:pPr>
             <a:r>
-              <a:rPr lang="es-UY" dirty="0" err="1" smtClean="0"/>
+              <a:rPr lang="es-UY" dirty="0" err="1"/>
               <a:t>Jackknife</a:t>
             </a:r>
             <a:r>
-              <a:rPr lang="es-UY" dirty="0" smtClean="0"/>
-              <a:t>: </a:t>
-            </a:r>
-            <a:r>
               <a:rPr lang="es-UY" dirty="0"/>
-              <a:t>SE = 37,885</a:t>
+              <a:t>: SE = 37,885</a:t>
             </a:r>
           </a:p>
           <a:p>
             <a:pPr marL="393192" lvl="1" indent="0">
               <a:buNone/>
             </a:pPr>
-            <a:endParaRPr lang="es-UY" dirty="0" smtClean="0"/>
+            <a:endParaRPr lang="es-UY" dirty="0"/>
           </a:p>
           <a:p>
             <a:pPr marL="274320" lvl="1" indent="-274320">
@@ -7550,16 +7556,12 @@
               <a:buSzPct val="95000"/>
             </a:pPr>
             <a:r>
-              <a:rPr lang="es-UY" dirty="0" err="1" smtClean="0"/>
+              <a:rPr lang="es-UY" dirty="0" err="1"/>
               <a:t>Bootstrap</a:t>
             </a:r>
             <a:r>
-              <a:rPr lang="es-UY" dirty="0" smtClean="0"/>
-              <a:t>: </a:t>
-            </a:r>
-            <a:r>
               <a:rPr lang="es-UY" dirty="0"/>
-              <a:t>SE= 37, 541</a:t>
+              <a:t>: SE= 37, 541</a:t>
             </a:r>
           </a:p>
           <a:p>
@@ -7571,17 +7573,13 @@
           <a:p>
             <a:pPr lvl="1"/>
             <a:r>
-              <a:rPr lang="es-UY" dirty="0" smtClean="0"/>
-              <a:t>Si existe </a:t>
-            </a:r>
-            <a:r>
               <a:rPr lang="es-UY" dirty="0"/>
-              <a:t>una diferencia entre las estimaciones de los métodos pero por lo menos en este caso dichas diferencias no son muy importantes.</a:t>
-            </a:r>
-          </a:p>
-          <a:p>
-            <a:pPr rtl="0"/>
-            <a:endParaRPr lang="es-ES" dirty="0" smtClean="0"/>
+              <a:t>Si existe una diferencia entre las estimaciones de los métodos pero por lo menos en este caso dichas diferencias no son muy importantes.</a:t>
+            </a:r>
+          </a:p>
+          <a:p>
+            <a:pPr rtl="0"/>
+            <a:endParaRPr lang="es-ES" dirty="0"/>
           </a:p>
         </p:txBody>
       </p:sp>
@@ -7595,25 +7593,18 @@
   <p:clrMapOvr>
     <a:masterClrMapping/>
   </p:clrMapOvr>
-  <mc:AlternateContent xmlns:mc="http://schemas.openxmlformats.org/markup-compatibility/2006">
-    <mc:Choice xmlns:p14="http://schemas.microsoft.com/office/powerpoint/2010/main" Requires="p14">
+  <mc:AlternateContent xmlns:mc="http://schemas.openxmlformats.org/markup-compatibility/2006" xmlns:p14="http://schemas.microsoft.com/office/powerpoint/2010/main">
+    <mc:Choice Requires="p14">
       <p:transition spd="med" p14:dur="700">
         <p:fade/>
       </p:transition>
     </mc:Choice>
-    <mc:Fallback>
+    <mc:Fallback xmlns="">
       <p:transition spd="med">
         <p:fade/>
       </p:transition>
     </mc:Fallback>
   </mc:AlternateContent>
-  <p:timing>
-    <p:tnLst>
-      <p:par>
-        <p:cTn id="1" dur="indefinite" restart="never" nodeType="tmRoot"/>
-      </p:par>
-    </p:tnLst>
-  </p:timing>
 </p:sld>
 </file>
 
@@ -7651,10 +7642,9 @@
           <a:p>
             <a:pPr rtl="0"/>
             <a:r>
-              <a:rPr lang="es-ES" dirty="0" smtClean="0"/>
+              <a:rPr lang="es-ES" dirty="0"/>
               <a:t>Resultados</a:t>
             </a:r>
-            <a:endParaRPr lang="es-ES" dirty="0"/>
           </a:p>
         </p:txBody>
       </p:sp>
@@ -7708,37 +7698,21 @@
           </a:p>
           <a:p>
             <a:r>
-              <a:rPr lang="es-UY" sz="2800" dirty="0" smtClean="0"/>
-              <a:t>En muy pocas estimaciones se obtuvo un </a:t>
-            </a:r>
-            <a:r>
-              <a:rPr lang="es-UY" sz="2800" dirty="0"/>
-              <a:t>ingreso per cápita menor o igual a 1650 o mayor a </a:t>
-            </a:r>
-            <a:r>
-              <a:rPr lang="es-UY" sz="2800" dirty="0" smtClean="0"/>
-              <a:t>1800. </a:t>
-            </a:r>
-          </a:p>
-          <a:p>
-            <a:endParaRPr lang="es-UY" dirty="0" smtClean="0"/>
-          </a:p>
-          <a:p>
-            <a:r>
-              <a:rPr lang="es-UY" dirty="0" smtClean="0"/>
-              <a:t>Las estimaciones se acumulan </a:t>
-            </a:r>
+              <a:rPr lang="es-UY" sz="2800"/>
+              <a:t>En muy pocas estimaciones se obtuvo un ingreso per cápita menor o igual a 1650 o mayor a 1800. </a:t>
+            </a:r>
+          </a:p>
+          <a:p>
+            <a:endParaRPr lang="es-UY" dirty="0"/>
+          </a:p>
+          <a:p>
             <a:r>
               <a:rPr lang="es-UY" dirty="0"/>
-              <a:t>entre los 1700 y </a:t>
-            </a:r>
-            <a:r>
-              <a:rPr lang="es-UY" dirty="0" smtClean="0"/>
-              <a:t>1750.</a:t>
-            </a:r>
-          </a:p>
-          <a:p>
-            <a:endParaRPr lang="es-UY" dirty="0" smtClean="0"/>
+              <a:t>Las estimaciones se acumulan entre los 1700 y 1750.</a:t>
+            </a:r>
+          </a:p>
+          <a:p>
+            <a:endParaRPr lang="es-UY" dirty="0"/>
           </a:p>
           <a:p>
             <a:pPr marL="0" indent="0">
@@ -7758,25 +7732,18 @@
   <p:clrMapOvr>
     <a:masterClrMapping/>
   </p:clrMapOvr>
-  <mc:AlternateContent xmlns:mc="http://schemas.openxmlformats.org/markup-compatibility/2006">
-    <mc:Choice xmlns:p14="http://schemas.microsoft.com/office/powerpoint/2010/main" Requires="p14">
+  <mc:AlternateContent xmlns:mc="http://schemas.openxmlformats.org/markup-compatibility/2006" xmlns:p14="http://schemas.microsoft.com/office/powerpoint/2010/main">
+    <mc:Choice Requires="p14">
       <p:transition spd="med" p14:dur="700">
         <p:fade/>
       </p:transition>
     </mc:Choice>
-    <mc:Fallback>
+    <mc:Fallback xmlns="">
       <p:transition spd="med">
         <p:fade/>
       </p:transition>
     </mc:Fallback>
   </mc:AlternateContent>
-  <p:timing>
-    <p:tnLst>
-      <p:par>
-        <p:cTn id="1" dur="indefinite" restart="never" nodeType="tmRoot"/>
-      </p:par>
-    </p:tnLst>
-  </p:timing>
 </p:sld>
 </file>
 
@@ -7807,67 +7774,196 @@
             <p:ph type="title"/>
           </p:nvPr>
         </p:nvSpPr>
-        <p:spPr/>
-        <p:txBody>
-          <a:bodyPr rtlCol="0"/>
-          <a:lstStyle/>
-          <a:p>
-            <a:pPr rtl="0"/>
-            <a:r>
-              <a:rPr lang="es-ES" dirty="0" smtClean="0"/>
+        <p:spPr>
+          <a:xfrm>
+            <a:off x="609600" y="704088"/>
+            <a:ext cx="10972800" cy="1143000"/>
+          </a:xfrm>
+        </p:spPr>
+        <p:txBody>
+          <a:bodyPr rtlCol="0" anchor="b">
+            <a:normAutofit/>
+          </a:bodyPr>
+          <a:lstStyle/>
+          <a:p>
+            <a:pPr rtl="0"/>
+            <a:r>
+              <a:rPr lang="es-ES" dirty="0"/>
               <a:t>Resultados</a:t>
             </a:r>
+          </a:p>
+        </p:txBody>
+      </p:sp>
+      <p:sp>
+        <p:nvSpPr>
+          <p:cNvPr id="2" name="Marcador de contenido 1"/>
+          <p:cNvSpPr>
+            <a:spLocks noGrp="1"/>
+          </p:cNvSpPr>
+          <p:nvPr>
+            <p:ph sz="half" idx="1"/>
+          </p:nvPr>
+        </p:nvSpPr>
+        <p:spPr>
+          <a:xfrm>
+            <a:off x="-32790" y="1949097"/>
+            <a:ext cx="5384800" cy="4434840"/>
+          </a:xfrm>
+        </p:spPr>
+        <p:txBody>
+          <a:bodyPr rtlCol="0">
+            <a:normAutofit/>
+          </a:bodyPr>
+          <a:lstStyle/>
+          <a:p>
+            <a:pPr rtl="0"/>
+            <a:r>
+              <a:rPr lang="es-ES" dirty="0"/>
+              <a:t>No hay diferencias notorias entre las estimaciones con las diferentes estrategias respecto al parámetro</a:t>
+            </a:r>
+          </a:p>
+          <a:p>
+            <a:pPr rtl="0"/>
             <a:endParaRPr lang="es-ES" dirty="0"/>
           </a:p>
-        </p:txBody>
-      </p:sp>
-      <p:sp>
-        <p:nvSpPr>
-          <p:cNvPr id="2" name="Marcador de contenido 1"/>
-          <p:cNvSpPr>
-            <a:spLocks noGrp="1"/>
-          </p:cNvSpPr>
-          <p:nvPr>
-            <p:ph idx="1"/>
-          </p:nvPr>
-        </p:nvSpPr>
-        <p:spPr/>
-        <p:txBody>
-          <a:bodyPr rtlCol="0"/>
-          <a:lstStyle/>
-          <a:p>
-            <a:pPr rtl="0"/>
-            <a:r>
-              <a:rPr lang="es-ES" dirty="0" smtClean="0"/>
-              <a:t>Ejercicio 9</a:t>
-            </a:r>
+          <a:p>
+            <a:pPr marL="0" indent="0" rtl="0">
+              <a:buNone/>
+            </a:pPr>
             <a:endParaRPr lang="es-ES" dirty="0"/>
           </a:p>
-          <a:p>
-            <a:pPr rtl="0"/>
+        </p:txBody>
+      </p:sp>
+      <p:sp>
+        <p:nvSpPr>
+          <p:cNvPr id="4" name="AutoShape 4">
+            <a:extLst>
+              <a:ext uri="{FF2B5EF4-FFF2-40B4-BE49-F238E27FC236}">
+                <a16:creationId xmlns:a16="http://schemas.microsoft.com/office/drawing/2014/main" id="{267E105B-A541-F863-9A44-5867C5B7A3C4}"/>
+              </a:ext>
+            </a:extLst>
+          </p:cNvPr>
+          <p:cNvSpPr>
+            <a:spLocks noChangeAspect="1" noChangeArrowheads="1"/>
+          </p:cNvSpPr>
+          <p:nvPr/>
+        </p:nvSpPr>
+        <p:spPr bwMode="auto">
+          <a:xfrm>
+            <a:off x="5943600" y="3276600"/>
+            <a:ext cx="304800" cy="304800"/>
+          </a:xfrm>
+          <a:prstGeom prst="rect">
+            <a:avLst/>
+          </a:prstGeom>
+          <a:noFill/>
+          <a:extLst>
+            <a:ext uri="{909E8E84-426E-40DD-AFC4-6F175D3DCCD1}">
+              <a14:hiddenFill xmlns:a14="http://schemas.microsoft.com/office/drawing/2010/main">
+                <a:solidFill>
+                  <a:srgbClr val="FFFFFF"/>
+                </a:solidFill>
+              </a14:hiddenFill>
+            </a:ext>
+          </a:extLst>
+        </p:spPr>
+        <p:txBody>
+          <a:bodyPr vert="horz" wrap="square" lIns="91440" tIns="45720" rIns="91440" bIns="45720" numCol="1" anchor="t" anchorCtr="0" compatLnSpc="1">
+            <a:prstTxWarp prst="textNoShape">
+              <a:avLst/>
+            </a:prstTxWarp>
+          </a:bodyPr>
+          <a:lstStyle/>
+          <a:p>
+            <a:endParaRPr lang="es-UY"/>
+          </a:p>
+        </p:txBody>
+      </p:sp>
+      <p:pic>
+        <p:nvPicPr>
+          <p:cNvPr id="2060" name="Picture 12" descr="Gráfico 4: Comparación de cantidad de personas para cada estrategia">
+            <a:extLst>
+              <a:ext uri="{FF2B5EF4-FFF2-40B4-BE49-F238E27FC236}">
+                <a16:creationId xmlns:a16="http://schemas.microsoft.com/office/drawing/2014/main" id="{5869B77C-0681-63BE-D0D8-BEFC43446374}"/>
+              </a:ext>
+            </a:extLst>
+          </p:cNvPr>
+          <p:cNvPicPr>
+            <a:picLocks noChangeAspect="1" noChangeArrowheads="1"/>
+          </p:cNvPicPr>
+          <p:nvPr/>
+        </p:nvPicPr>
+        <p:blipFill>
+          <a:blip r:embed="rId3">
+            <a:extLst>
+              <a:ext uri="{28A0092B-C50C-407E-A947-70E740481C1C}">
+                <a14:useLocalDpi xmlns:a14="http://schemas.microsoft.com/office/drawing/2010/main" val="0"/>
+              </a:ext>
+            </a:extLst>
+          </a:blip>
+          <a:srcRect/>
+          <a:stretch>
+            <a:fillRect/>
+          </a:stretch>
+        </p:blipFill>
+        <p:spPr bwMode="auto">
+          <a:xfrm>
+            <a:off x="5423260" y="1275588"/>
+            <a:ext cx="6458990" cy="4613564"/>
+          </a:xfrm>
+          <a:prstGeom prst="rect">
+            <a:avLst/>
+          </a:prstGeom>
+          <a:noFill/>
+          <a:extLst>
+            <a:ext uri="{909E8E84-426E-40DD-AFC4-6F175D3DCCD1}">
+              <a14:hiddenFill xmlns:a14="http://schemas.microsoft.com/office/drawing/2010/main">
+                <a:solidFill>
+                  <a:srgbClr val="FFFFFF"/>
+                </a:solidFill>
+              </a14:hiddenFill>
+            </a:ext>
+          </a:extLst>
+        </p:spPr>
+      </p:pic>
+      <p:sp>
+        <p:nvSpPr>
+          <p:cNvPr id="6" name="CuadroTexto 5">
+            <a:extLst>
+              <a:ext uri="{FF2B5EF4-FFF2-40B4-BE49-F238E27FC236}">
+                <a16:creationId xmlns:a16="http://schemas.microsoft.com/office/drawing/2014/main" id="{AAF8DECF-7351-0292-9E3C-B036CCEC4978}"/>
+              </a:ext>
+            </a:extLst>
+          </p:cNvPr>
+          <p:cNvSpPr txBox="1"/>
+          <p:nvPr/>
+        </p:nvSpPr>
+        <p:spPr>
+          <a:xfrm>
+            <a:off x="5652655" y="763463"/>
+            <a:ext cx="5763492" cy="369332"/>
+          </a:xfrm>
+          <a:prstGeom prst="rect">
+            <a:avLst/>
+          </a:prstGeom>
+          <a:noFill/>
+          <a:ln>
+            <a:solidFill>
+              <a:schemeClr val="bg2"/>
+            </a:solidFill>
+          </a:ln>
+        </p:spPr>
+        <p:txBody>
+          <a:bodyPr wrap="square" rtlCol="0">
+            <a:spAutoFit/>
+          </a:bodyPr>
+          <a:lstStyle/>
+          <a:p>
             <a:r>
               <a:rPr lang="es-ES" dirty="0"/>
-              <a:t>Sea creativo.</a:t>
-            </a:r>
-          </a:p>
-          <a:p>
-            <a:pPr rtl="0"/>
-            <a:r>
-              <a:rPr lang="es-ES" dirty="0"/>
-              <a:t>Arriésguese.</a:t>
-            </a:r>
-          </a:p>
-          <a:p>
-            <a:pPr rtl="0"/>
-            <a:r>
-              <a:rPr lang="es-ES" dirty="0"/>
-              <a:t>No se aceptan </a:t>
-            </a:r>
-            <a:r>
-              <a:rPr lang="es-ES" dirty="0" smtClean="0"/>
-              <a:t>críticas</a:t>
-            </a:r>
-            <a:endParaRPr lang="es-ES" dirty="0"/>
+              <a:t>Comparación de cantidad de personas por categoría</a:t>
+            </a:r>
+            <a:endParaRPr lang="es-UY" dirty="0" err="1"/>
           </a:p>
         </p:txBody>
       </p:sp>
@@ -7893,13 +7989,6 @@
       </p:transition>
     </mc:Fallback>
   </mc:AlternateContent>
-  <p:timing>
-    <p:tnLst>
-      <p:par>
-        <p:cTn id="1" dur="indefinite" restart="never" nodeType="tmRoot"/>
-      </p:par>
-    </p:tnLst>
-  </p:timing>
 </p:sld>
 </file>
 
@@ -7932,54 +8021,445 @@
         </p:nvSpPr>
         <p:spPr>
           <a:xfrm>
-            <a:off x="2706320" y="2687434"/>
-            <a:ext cx="6534663" cy="1292137"/>
+            <a:off x="609600" y="704088"/>
+            <a:ext cx="10972800" cy="1143000"/>
           </a:xfrm>
         </p:spPr>
         <p:txBody>
+          <a:bodyPr rtlCol="0" anchor="b">
+            <a:normAutofit/>
+          </a:bodyPr>
+          <a:lstStyle/>
+          <a:p>
+            <a:pPr rtl="0"/>
+            <a:r>
+              <a:rPr lang="es-ES" dirty="0"/>
+              <a:t>Resultados</a:t>
+            </a:r>
+          </a:p>
+        </p:txBody>
+      </p:sp>
+      <p:sp>
+        <p:nvSpPr>
+          <p:cNvPr id="2" name="Marcador de contenido 1"/>
+          <p:cNvSpPr>
+            <a:spLocks noGrp="1"/>
+          </p:cNvSpPr>
+          <p:nvPr>
+            <p:ph sz="half" idx="1"/>
+          </p:nvPr>
+        </p:nvSpPr>
+        <p:spPr>
+          <a:xfrm>
+            <a:off x="-32790" y="1949097"/>
+            <a:ext cx="5384800" cy="4434840"/>
+          </a:xfrm>
+        </p:spPr>
+        <p:txBody>
           <a:bodyPr rtlCol="0">
-            <a:normAutofit fontScale="90000"/>
+            <a:normAutofit/>
           </a:bodyPr>
           <a:lstStyle/>
           <a:p>
             <a:pPr rtl="0"/>
-            <a:r>
-              <a:rPr lang="es-ES" sz="7200" b="1" dirty="0" smtClean="0"/>
-              <a:t>Comparaciones</a:t>
-            </a:r>
-            <a:endParaRPr lang="es-ES" sz="7200" b="1" dirty="0"/>
+            <a:endParaRPr lang="es-ES" dirty="0"/>
+          </a:p>
+          <a:p>
+            <a:pPr rtl="0"/>
+            <a:endParaRPr lang="es-ES" dirty="0"/>
+          </a:p>
+          <a:p>
+            <a:pPr marL="0" indent="0" rtl="0">
+              <a:buNone/>
+            </a:pPr>
+            <a:endParaRPr lang="es-ES" dirty="0"/>
+          </a:p>
+        </p:txBody>
+      </p:sp>
+      <p:sp>
+        <p:nvSpPr>
+          <p:cNvPr id="4" name="AutoShape 4">
+            <a:extLst>
+              <a:ext uri="{FF2B5EF4-FFF2-40B4-BE49-F238E27FC236}">
+                <a16:creationId xmlns:a16="http://schemas.microsoft.com/office/drawing/2014/main" id="{267E105B-A541-F863-9A44-5867C5B7A3C4}"/>
+              </a:ext>
+            </a:extLst>
+          </p:cNvPr>
+          <p:cNvSpPr>
+            <a:spLocks noChangeAspect="1" noChangeArrowheads="1"/>
+          </p:cNvSpPr>
+          <p:nvPr/>
+        </p:nvSpPr>
+        <p:spPr bwMode="auto">
+          <a:xfrm>
+            <a:off x="5943600" y="3276600"/>
+            <a:ext cx="304800" cy="304800"/>
+          </a:xfrm>
+          <a:prstGeom prst="rect">
+            <a:avLst/>
+          </a:prstGeom>
+          <a:noFill/>
+          <a:extLst>
+            <a:ext uri="{909E8E84-426E-40DD-AFC4-6F175D3DCCD1}">
+              <a14:hiddenFill xmlns:a14="http://schemas.microsoft.com/office/drawing/2010/main">
+                <a:solidFill>
+                  <a:srgbClr val="FFFFFF"/>
+                </a:solidFill>
+              </a14:hiddenFill>
+            </a:ext>
+          </a:extLst>
+        </p:spPr>
+        <p:txBody>
+          <a:bodyPr vert="horz" wrap="square" lIns="91440" tIns="45720" rIns="91440" bIns="45720" numCol="1" anchor="t" anchorCtr="0" compatLnSpc="1">
+            <a:prstTxWarp prst="textNoShape">
+              <a:avLst/>
+            </a:prstTxWarp>
+          </a:bodyPr>
+          <a:lstStyle/>
+          <a:p>
+            <a:endParaRPr lang="es-UY"/>
+          </a:p>
+        </p:txBody>
+      </p:sp>
+      <p:pic>
+        <p:nvPicPr>
+          <p:cNvPr id="3074" name="Picture 2" descr="Gráfico 5: Comparación desvio standard de Cantidad de Personas por Categoría y estrategia">
+            <a:extLst>
+              <a:ext uri="{FF2B5EF4-FFF2-40B4-BE49-F238E27FC236}">
+                <a16:creationId xmlns:a16="http://schemas.microsoft.com/office/drawing/2014/main" id="{FA13897B-AB13-6C18-D600-1001C02B4CC2}"/>
+              </a:ext>
+            </a:extLst>
+          </p:cNvPr>
+          <p:cNvPicPr>
+            <a:picLocks noChangeAspect="1" noChangeArrowheads="1"/>
+          </p:cNvPicPr>
+          <p:nvPr/>
+        </p:nvPicPr>
+        <p:blipFill>
+          <a:blip r:embed="rId3">
+            <a:extLst>
+              <a:ext uri="{28A0092B-C50C-407E-A947-70E740481C1C}">
+                <a14:useLocalDpi xmlns:a14="http://schemas.microsoft.com/office/drawing/2010/main" val="0"/>
+              </a:ext>
+            </a:extLst>
+          </a:blip>
+          <a:srcRect/>
+          <a:stretch>
+            <a:fillRect/>
+          </a:stretch>
+        </p:blipFill>
+        <p:spPr bwMode="auto">
+          <a:xfrm>
+            <a:off x="5546468" y="1650670"/>
+            <a:ext cx="6490162" cy="4635830"/>
+          </a:xfrm>
+          <a:prstGeom prst="rect">
+            <a:avLst/>
+          </a:prstGeom>
+          <a:noFill/>
+          <a:extLst>
+            <a:ext uri="{909E8E84-426E-40DD-AFC4-6F175D3DCCD1}">
+              <a14:hiddenFill xmlns:a14="http://schemas.microsoft.com/office/drawing/2010/main">
+                <a:solidFill>
+                  <a:srgbClr val="FFFFFF"/>
+                </a:solidFill>
+              </a14:hiddenFill>
+            </a:ext>
+          </a:extLst>
+        </p:spPr>
+      </p:pic>
+      <p:sp>
+        <p:nvSpPr>
+          <p:cNvPr id="5" name="CuadroTexto 4">
+            <a:extLst>
+              <a:ext uri="{FF2B5EF4-FFF2-40B4-BE49-F238E27FC236}">
+                <a16:creationId xmlns:a16="http://schemas.microsoft.com/office/drawing/2014/main" id="{66FA9342-6AFF-8FA8-0914-BE8C7B4D9C0F}"/>
+              </a:ext>
+            </a:extLst>
+          </p:cNvPr>
+          <p:cNvSpPr txBox="1"/>
+          <p:nvPr/>
+        </p:nvSpPr>
+        <p:spPr>
+          <a:xfrm>
+            <a:off x="5652655" y="763463"/>
+            <a:ext cx="5763492" cy="369332"/>
+          </a:xfrm>
+          <a:prstGeom prst="rect">
+            <a:avLst/>
+          </a:prstGeom>
+          <a:noFill/>
+          <a:ln>
+            <a:solidFill>
+              <a:schemeClr val="bg2"/>
+            </a:solidFill>
+          </a:ln>
+        </p:spPr>
+        <p:txBody>
+          <a:bodyPr wrap="square" rtlCol="0">
+            <a:spAutoFit/>
+          </a:bodyPr>
+          <a:lstStyle/>
+          <a:p>
+            <a:r>
+              <a:rPr lang="es-ES" dirty="0"/>
+              <a:t>Comparación de desvío estándar por categoría</a:t>
+            </a:r>
+            <a:endParaRPr lang="es-UY" dirty="0" err="1"/>
+          </a:p>
+        </p:txBody>
+      </p:sp>
+      <p:sp>
+        <p:nvSpPr>
+          <p:cNvPr id="6" name="Marcador de contenido 1">
+            <a:extLst>
+              <a:ext uri="{FF2B5EF4-FFF2-40B4-BE49-F238E27FC236}">
+                <a16:creationId xmlns:a16="http://schemas.microsoft.com/office/drawing/2014/main" id="{DF7871CD-48CC-CC2E-DBEA-A4FA6148426C}"/>
+              </a:ext>
+            </a:extLst>
+          </p:cNvPr>
+          <p:cNvSpPr txBox="1">
+            <a:spLocks/>
+          </p:cNvSpPr>
+          <p:nvPr/>
+        </p:nvSpPr>
+        <p:spPr>
+          <a:xfrm>
+            <a:off x="119610" y="2101497"/>
+            <a:ext cx="5384800" cy="4434840"/>
+          </a:xfrm>
+          <a:prstGeom prst="rect">
+            <a:avLst/>
+          </a:prstGeom>
+        </p:spPr>
+        <p:txBody>
+          <a:bodyPr vert="horz" rtlCol="0">
+            <a:normAutofit/>
+          </a:bodyPr>
+          <a:lstStyle>
+            <a:lvl1pPr marL="274320" indent="-274320" algn="l" rtl="0" eaLnBrk="1" latinLnBrk="0" hangingPunct="1">
+              <a:spcBef>
+                <a:spcPct val="20000"/>
+              </a:spcBef>
+              <a:buClr>
+                <a:schemeClr val="accent3">
+                  <a:lumMod val="50000"/>
+                </a:schemeClr>
+              </a:buClr>
+              <a:buSzPct val="95000"/>
+              <a:buFont typeface="Wingdings 2"/>
+              <a:buChar char=""/>
+              <a:defRPr kumimoji="0" sz="2600" kern="1200">
+                <a:solidFill>
+                  <a:schemeClr val="tx1"/>
+                </a:solidFill>
+                <a:latin typeface="+mn-lt"/>
+                <a:ea typeface="+mn-ea"/>
+                <a:cs typeface="+mn-cs"/>
+              </a:defRPr>
+            </a:lvl1pPr>
+            <a:lvl2pPr marL="640080" indent="-246888" algn="l" rtl="0" eaLnBrk="1" latinLnBrk="0" hangingPunct="1">
+              <a:spcBef>
+                <a:spcPct val="20000"/>
+              </a:spcBef>
+              <a:buClr>
+                <a:schemeClr val="accent1">
+                  <a:lumMod val="50000"/>
+                </a:schemeClr>
+              </a:buClr>
+              <a:buSzPct val="85000"/>
+              <a:buFont typeface="Wingdings 2"/>
+              <a:buChar char=""/>
+              <a:defRPr kumimoji="0" sz="2400" kern="1200">
+                <a:solidFill>
+                  <a:schemeClr val="tx1"/>
+                </a:solidFill>
+                <a:latin typeface="+mn-lt"/>
+                <a:ea typeface="+mn-ea"/>
+                <a:cs typeface="+mn-cs"/>
+              </a:defRPr>
+            </a:lvl2pPr>
+            <a:lvl3pPr marL="914400" indent="-246888" algn="l" rtl="0" eaLnBrk="1" latinLnBrk="0" hangingPunct="1">
+              <a:spcBef>
+                <a:spcPct val="20000"/>
+              </a:spcBef>
+              <a:buClr>
+                <a:schemeClr val="accent2">
+                  <a:lumMod val="50000"/>
+                </a:schemeClr>
+              </a:buClr>
+              <a:buSzPct val="70000"/>
+              <a:buFont typeface="Wingdings 2"/>
+              <a:buChar char=""/>
+              <a:defRPr kumimoji="0" sz="2000" kern="1200">
+                <a:solidFill>
+                  <a:schemeClr val="tx1"/>
+                </a:solidFill>
+                <a:latin typeface="+mn-lt"/>
+                <a:ea typeface="+mn-ea"/>
+                <a:cs typeface="+mn-cs"/>
+              </a:defRPr>
+            </a:lvl3pPr>
+            <a:lvl4pPr marL="1188720" indent="-210312" algn="l" rtl="0" eaLnBrk="1" latinLnBrk="0" hangingPunct="1">
+              <a:spcBef>
+                <a:spcPct val="20000"/>
+              </a:spcBef>
+              <a:buClr>
+                <a:schemeClr val="accent3">
+                  <a:lumMod val="50000"/>
+                </a:schemeClr>
+              </a:buClr>
+              <a:buSzPct val="65000"/>
+              <a:buFont typeface="Wingdings 2"/>
+              <a:buChar char=""/>
+              <a:defRPr kumimoji="0" sz="1800" kern="1200">
+                <a:solidFill>
+                  <a:schemeClr val="tx1"/>
+                </a:solidFill>
+                <a:latin typeface="+mn-lt"/>
+                <a:ea typeface="+mn-ea"/>
+                <a:cs typeface="+mn-cs"/>
+              </a:defRPr>
+            </a:lvl4pPr>
+            <a:lvl5pPr marL="1463040" indent="-210312" algn="l" rtl="0" eaLnBrk="1" latinLnBrk="0" hangingPunct="1">
+              <a:spcBef>
+                <a:spcPct val="20000"/>
+              </a:spcBef>
+              <a:buClr>
+                <a:schemeClr val="accent4">
+                  <a:lumMod val="75000"/>
+                </a:schemeClr>
+              </a:buClr>
+              <a:buSzPct val="65000"/>
+              <a:buFont typeface="Wingdings 2"/>
+              <a:buChar char=""/>
+              <a:defRPr kumimoji="0" sz="1800" kern="1200">
+                <a:solidFill>
+                  <a:schemeClr val="tx1"/>
+                </a:solidFill>
+                <a:latin typeface="+mn-lt"/>
+                <a:ea typeface="+mn-ea"/>
+                <a:cs typeface="+mn-cs"/>
+              </a:defRPr>
+            </a:lvl5pPr>
+            <a:lvl6pPr marL="1737360" indent="-210312" algn="l" rtl="0" eaLnBrk="1" latinLnBrk="0" hangingPunct="1">
+              <a:spcBef>
+                <a:spcPct val="20000"/>
+              </a:spcBef>
+              <a:buClr>
+                <a:schemeClr val="accent5">
+                  <a:lumMod val="50000"/>
+                </a:schemeClr>
+              </a:buClr>
+              <a:buSzPct val="80000"/>
+              <a:buFont typeface="Wingdings 2"/>
+              <a:buChar char=""/>
+              <a:defRPr kumimoji="0" sz="1800" kern="1200">
+                <a:solidFill>
+                  <a:schemeClr val="tx1"/>
+                </a:solidFill>
+                <a:latin typeface="+mn-lt"/>
+                <a:ea typeface="+mn-ea"/>
+                <a:cs typeface="+mn-cs"/>
+              </a:defRPr>
+            </a:lvl6pPr>
+            <a:lvl7pPr marL="1920240" indent="-182880" algn="l" rtl="0" eaLnBrk="1" latinLnBrk="0" hangingPunct="1">
+              <a:spcBef>
+                <a:spcPct val="20000"/>
+              </a:spcBef>
+              <a:buClr>
+                <a:schemeClr val="accent6">
+                  <a:lumMod val="75000"/>
+                </a:schemeClr>
+              </a:buClr>
+              <a:buSzPct val="80000"/>
+              <a:buFont typeface="Wingdings 2"/>
+              <a:buChar char=""/>
+              <a:defRPr kumimoji="0" sz="1600" kern="1200" baseline="0">
+                <a:solidFill>
+                  <a:schemeClr val="tx1"/>
+                </a:solidFill>
+                <a:latin typeface="+mn-lt"/>
+                <a:ea typeface="+mn-ea"/>
+                <a:cs typeface="+mn-cs"/>
+              </a:defRPr>
+            </a:lvl7pPr>
+            <a:lvl8pPr marL="2194560" indent="-182880" algn="l" rtl="0" eaLnBrk="1" latinLnBrk="0" hangingPunct="1">
+              <a:spcBef>
+                <a:spcPct val="20000"/>
+              </a:spcBef>
+              <a:buClr>
+                <a:schemeClr val="tx2"/>
+              </a:buClr>
+              <a:buChar char="•"/>
+              <a:defRPr kumimoji="0" sz="1600" kern="1200">
+                <a:solidFill>
+                  <a:schemeClr val="tx1"/>
+                </a:solidFill>
+                <a:latin typeface="+mn-lt"/>
+                <a:ea typeface="+mn-ea"/>
+                <a:cs typeface="+mn-cs"/>
+              </a:defRPr>
+            </a:lvl8pPr>
+            <a:lvl9pPr marL="2286000" indent="0" algn="l" rtl="0" eaLnBrk="1" latinLnBrk="0" hangingPunct="1">
+              <a:spcBef>
+                <a:spcPct val="20000"/>
+              </a:spcBef>
+              <a:buClr>
+                <a:schemeClr val="tx2"/>
+              </a:buClr>
+              <a:buFontTx/>
+              <a:buNone/>
+              <a:defRPr kumimoji="0" sz="1400" kern="1200" baseline="0">
+                <a:solidFill>
+                  <a:schemeClr val="tx1"/>
+                </a:solidFill>
+                <a:latin typeface="+mn-lt"/>
+                <a:ea typeface="+mn-ea"/>
+                <a:cs typeface="+mn-cs"/>
+              </a:defRPr>
+            </a:lvl9pPr>
+          </a:lstStyle>
+          <a:p>
+            <a:r>
+              <a:rPr lang="es-ES" dirty="0"/>
+              <a:t>Pero la precisión si es diferente.</a:t>
+            </a:r>
+          </a:p>
+          <a:p>
+            <a:endParaRPr lang="es-ES" dirty="0"/>
+          </a:p>
+          <a:p>
+            <a:pPr marL="0" indent="0">
+              <a:buFont typeface="Wingdings 2"/>
+              <a:buNone/>
+            </a:pPr>
+            <a:endParaRPr lang="es-ES" dirty="0"/>
           </a:p>
         </p:txBody>
       </p:sp>
     </p:spTree>
     <p:extLst>
       <p:ext uri="{BB962C8B-B14F-4D97-AF65-F5344CB8AC3E}">
-        <p14:creationId xmlns:p14="http://schemas.microsoft.com/office/powerpoint/2010/main" val="2553568041"/>
+        <p14:creationId xmlns:p14="http://schemas.microsoft.com/office/powerpoint/2010/main" val="2460422304"/>
       </p:ext>
     </p:extLst>
   </p:cSld>
   <p:clrMapOvr>
     <a:masterClrMapping/>
   </p:clrMapOvr>
-  <mc:AlternateContent xmlns:mc="http://schemas.openxmlformats.org/markup-compatibility/2006">
-    <mc:Choice xmlns:p14="http://schemas.microsoft.com/office/powerpoint/2010/main" Requires="p14">
+  <mc:AlternateContent xmlns:mc="http://schemas.openxmlformats.org/markup-compatibility/2006" xmlns:p14="http://schemas.microsoft.com/office/powerpoint/2010/main">
+    <mc:Choice Requires="p14">
       <p:transition spd="med" p14:dur="700">
         <p:fade/>
       </p:transition>
     </mc:Choice>
-    <mc:Fallback>
+    <mc:Fallback xmlns="">
       <p:transition spd="med">
         <p:fade/>
       </p:transition>
     </mc:Fallback>
   </mc:AlternateContent>
-  <p:timing>
-    <p:tnLst>
-      <p:par>
-        <p:cTn id="1" dur="indefinite" restart="never" nodeType="tmRoot"/>
-      </p:par>
-    </p:tnLst>
-  </p:timing>
 </p:sld>
 </file>
 
@@ -8010,203 +8490,48 @@
             <p:ph type="title"/>
           </p:nvPr>
         </p:nvSpPr>
-        <p:spPr/>
-        <p:txBody>
-          <a:bodyPr rtlCol="0"/>
-          <a:lstStyle/>
-          <a:p>
-            <a:pPr rtl="0"/>
-            <a:r>
-              <a:rPr lang="es-ES" dirty="0" smtClean="0"/>
-              <a:t>Comparaciones</a:t>
-            </a:r>
-            <a:endParaRPr lang="es-ES" dirty="0"/>
-          </a:p>
-        </p:txBody>
-      </p:sp>
-      <p:sp>
-        <p:nvSpPr>
-          <p:cNvPr id="2" name="Marcador de contenido 1"/>
-          <p:cNvSpPr>
-            <a:spLocks noGrp="1"/>
-          </p:cNvSpPr>
-          <p:nvPr>
-            <p:ph idx="1"/>
-          </p:nvPr>
-        </p:nvSpPr>
         <p:spPr>
           <a:xfrm>
-            <a:off x="609600" y="2060171"/>
-            <a:ext cx="10972800" cy="4389120"/>
+            <a:off x="2706320" y="2687434"/>
+            <a:ext cx="6534663" cy="1292137"/>
           </a:xfrm>
         </p:spPr>
         <p:txBody>
           <a:bodyPr rtlCol="0">
-            <a:normAutofit fontScale="92500" lnSpcReduction="20000"/>
+            <a:normAutofit fontScale="90000"/>
           </a:bodyPr>
           <a:lstStyle/>
           <a:p>
-            <a:r>
-              <a:rPr lang="es-UY" dirty="0"/>
-              <a:t>Como se </a:t>
-            </a:r>
-            <a:r>
-              <a:rPr lang="es-UY" dirty="0" smtClean="0"/>
-              <a:t>mencionó anteriormente</a:t>
-            </a:r>
-            <a:r>
-              <a:rPr lang="es-UY" dirty="0"/>
-              <a:t>, uno de los objetivos de este proyecto era realizar estimaciones de diferentes parámetros para posteriormente compararlos con sus verdaderos valores.</a:t>
-            </a:r>
-          </a:p>
-          <a:p>
-            <a:pPr lvl="1"/>
-            <a:endParaRPr lang="es-UY" dirty="0" smtClean="0"/>
-          </a:p>
-          <a:p>
-            <a:pPr lvl="1"/>
-            <a:r>
-              <a:rPr lang="es-UY" dirty="0" smtClean="0"/>
-              <a:t>El </a:t>
-            </a:r>
-            <a:r>
-              <a:rPr lang="es-UY" dirty="0"/>
-              <a:t>total de personas se estimó en </a:t>
-            </a:r>
-            <a:r>
-              <a:rPr lang="es-UY" b="1" dirty="0"/>
-              <a:t>1.211.035</a:t>
-            </a:r>
-            <a:r>
-              <a:rPr lang="es-UY" dirty="0"/>
-              <a:t> y el verdadero valor es </a:t>
-            </a:r>
-            <a:r>
-              <a:rPr lang="es-UY" b="1" dirty="0"/>
-              <a:t>1.223.410</a:t>
-            </a:r>
-          </a:p>
-          <a:p>
-            <a:pPr lvl="1" rtl="0"/>
-            <a:endParaRPr lang="es-ES" dirty="0" smtClean="0"/>
-          </a:p>
-          <a:p>
-            <a:pPr lvl="1"/>
-            <a:r>
-              <a:rPr lang="es-UY" dirty="0"/>
-              <a:t>El ingreso promedio de los hogares se estimó en </a:t>
-            </a:r>
-            <a:r>
-              <a:rPr lang="es-UY" b="1" dirty="0"/>
-              <a:t>4619</a:t>
-            </a:r>
-            <a:r>
-              <a:rPr lang="es-UY" dirty="0"/>
-              <a:t> y el verdadero valor es </a:t>
-            </a:r>
-            <a:r>
-              <a:rPr lang="es-UY" b="1" dirty="0"/>
-              <a:t>4653</a:t>
-            </a:r>
-            <a:r>
-              <a:rPr lang="es-UY" dirty="0"/>
-              <a:t>.</a:t>
-            </a:r>
-          </a:p>
-          <a:p>
-            <a:pPr lvl="1"/>
-            <a:endParaRPr lang="es-UY" dirty="0" smtClean="0"/>
-          </a:p>
-          <a:p>
-            <a:pPr lvl="1"/>
-            <a:r>
-              <a:rPr lang="es-UY" dirty="0" smtClean="0"/>
-              <a:t>La </a:t>
-            </a:r>
-            <a:r>
-              <a:rPr lang="es-UY" dirty="0"/>
-              <a:t>proporción de hogares pobres se estimó en </a:t>
-            </a:r>
-            <a:r>
-              <a:rPr lang="es-UY" b="1" dirty="0"/>
-              <a:t>0.085</a:t>
-            </a:r>
-            <a:r>
-              <a:rPr lang="es-UY" dirty="0"/>
-              <a:t> y su verdadero valor es </a:t>
-            </a:r>
-            <a:r>
-              <a:rPr lang="es-UY" b="1" dirty="0"/>
-              <a:t>0.07955</a:t>
-            </a:r>
-            <a:r>
-              <a:rPr lang="es-UY" dirty="0" smtClean="0"/>
-              <a:t>.</a:t>
-            </a:r>
-          </a:p>
-          <a:p>
-            <a:pPr lvl="1"/>
-            <a:endParaRPr lang="es-UY" dirty="0" smtClean="0"/>
-          </a:p>
-          <a:p>
-            <a:pPr lvl="1"/>
-            <a:r>
-              <a:rPr lang="es-UY" dirty="0" smtClean="0"/>
-              <a:t>El ingreso per cápita se estimó en </a:t>
-            </a:r>
-            <a:r>
-              <a:rPr lang="es-UY" b="1" dirty="0" smtClean="0"/>
-              <a:t>1727</a:t>
-            </a:r>
-            <a:r>
-              <a:rPr lang="es-UY" dirty="0" smtClean="0"/>
-              <a:t> y su verdadero valor es de </a:t>
-            </a:r>
-            <a:r>
-              <a:rPr lang="es-UY" b="1" dirty="0" smtClean="0"/>
-              <a:t>1722</a:t>
-            </a:r>
-            <a:r>
-              <a:rPr lang="es-UY" dirty="0" smtClean="0"/>
-              <a:t>.</a:t>
-            </a:r>
-            <a:endParaRPr lang="es-UY" b="1" dirty="0"/>
-          </a:p>
-          <a:p>
-            <a:pPr lvl="1" rtl="0"/>
-            <a:endParaRPr lang="es-ES" dirty="0" smtClean="0"/>
+            <a:pPr rtl="0"/>
+            <a:r>
+              <a:rPr lang="es-ES" sz="7200" b="1" dirty="0"/>
+              <a:t>Comparaciones</a:t>
+            </a:r>
           </a:p>
         </p:txBody>
       </p:sp>
     </p:spTree>
     <p:extLst>
       <p:ext uri="{BB962C8B-B14F-4D97-AF65-F5344CB8AC3E}">
-        <p14:creationId xmlns:p14="http://schemas.microsoft.com/office/powerpoint/2010/main" val="3429912188"/>
+        <p14:creationId xmlns:p14="http://schemas.microsoft.com/office/powerpoint/2010/main" val="2553568041"/>
       </p:ext>
     </p:extLst>
   </p:cSld>
   <p:clrMapOvr>
     <a:masterClrMapping/>
   </p:clrMapOvr>
-  <mc:AlternateContent xmlns:mc="http://schemas.openxmlformats.org/markup-compatibility/2006">
-    <mc:Choice xmlns:p14="http://schemas.microsoft.com/office/powerpoint/2010/main" Requires="p14">
+  <mc:AlternateContent xmlns:mc="http://schemas.openxmlformats.org/markup-compatibility/2006" xmlns:p14="http://schemas.microsoft.com/office/powerpoint/2010/main">
+    <mc:Choice Requires="p14">
       <p:transition spd="med" p14:dur="700">
         <p:fade/>
       </p:transition>
     </mc:Choice>
-    <mc:Fallback>
+    <mc:Fallback xmlns="">
       <p:transition spd="med">
         <p:fade/>
       </p:transition>
     </mc:Fallback>
   </mc:AlternateContent>
-  <p:timing>
-    <p:tnLst>
-      <p:par>
-        <p:cTn id="1" dur="indefinite" restart="never" nodeType="tmRoot"/>
-      </p:par>
-    </p:tnLst>
-  </p:timing>
 </p:sld>
 </file>
 
@@ -8237,56 +8562,179 @@
             <p:ph type="title"/>
           </p:nvPr>
         </p:nvSpPr>
+        <p:spPr/>
+        <p:txBody>
+          <a:bodyPr rtlCol="0"/>
+          <a:lstStyle/>
+          <a:p>
+            <a:pPr rtl="0"/>
+            <a:r>
+              <a:rPr lang="es-ES" dirty="0"/>
+              <a:t>Comparaciones</a:t>
+            </a:r>
+          </a:p>
+        </p:txBody>
+      </p:sp>
+      <p:sp>
+        <p:nvSpPr>
+          <p:cNvPr id="2" name="Marcador de contenido 1"/>
+          <p:cNvSpPr>
+            <a:spLocks noGrp="1"/>
+          </p:cNvSpPr>
+          <p:nvPr>
+            <p:ph idx="1"/>
+          </p:nvPr>
+        </p:nvSpPr>
         <p:spPr>
           <a:xfrm>
-            <a:off x="3412901" y="2687434"/>
-            <a:ext cx="5460643" cy="1292137"/>
+            <a:off x="609600" y="2060171"/>
+            <a:ext cx="10972800" cy="4389120"/>
           </a:xfrm>
         </p:spPr>
         <p:txBody>
           <a:bodyPr rtlCol="0">
-            <a:normAutofit fontScale="90000"/>
+            <a:normAutofit fontScale="92500" lnSpcReduction="20000"/>
           </a:bodyPr>
           <a:lstStyle/>
           <a:p>
-            <a:pPr rtl="0"/>
-            <a:r>
-              <a:rPr lang="es-ES" sz="7200" b="1" dirty="0" smtClean="0"/>
-              <a:t>Conclusiones</a:t>
-            </a:r>
-            <a:endParaRPr lang="es-ES" sz="7200" b="1" dirty="0"/>
+            <a:r>
+              <a:rPr lang="es-UY" dirty="0"/>
+              <a:t>Como se mencionó anteriormente, uno de los objetivos de este proyecto era realizar estimaciones de diferentes parámetros para posteriormente compararlos con sus verdaderos valores.</a:t>
+            </a:r>
+          </a:p>
+          <a:p>
+            <a:pPr lvl="1"/>
+            <a:endParaRPr lang="es-UY" dirty="0"/>
+          </a:p>
+          <a:p>
+            <a:pPr lvl="1"/>
+            <a:r>
+              <a:rPr lang="es-UY" dirty="0"/>
+              <a:t>El total de personas se estimó en </a:t>
+            </a:r>
+            <a:r>
+              <a:rPr lang="es-UY" b="1" dirty="0"/>
+              <a:t>1.211.035</a:t>
+            </a:r>
+            <a:r>
+              <a:rPr lang="es-UY" dirty="0"/>
+              <a:t> y el verdadero valor es </a:t>
+            </a:r>
+            <a:r>
+              <a:rPr lang="es-UY" b="1" dirty="0"/>
+              <a:t>1.223.410</a:t>
+            </a:r>
+          </a:p>
+          <a:p>
+            <a:pPr lvl="1" rtl="0"/>
+            <a:endParaRPr lang="es-ES" dirty="0"/>
+          </a:p>
+          <a:p>
+            <a:pPr lvl="1"/>
+            <a:r>
+              <a:rPr lang="es-UY" dirty="0"/>
+              <a:t>El ingreso promedio de los hogares se estimó en </a:t>
+            </a:r>
+            <a:r>
+              <a:rPr lang="es-UY" b="1" dirty="0"/>
+              <a:t>4619</a:t>
+            </a:r>
+            <a:r>
+              <a:rPr lang="es-UY" dirty="0"/>
+              <a:t> y el verdadero valor es </a:t>
+            </a:r>
+            <a:r>
+              <a:rPr lang="es-UY" b="1" dirty="0"/>
+              <a:t>4653</a:t>
+            </a:r>
+            <a:r>
+              <a:rPr lang="es-UY" dirty="0"/>
+              <a:t>.</a:t>
+            </a:r>
+          </a:p>
+          <a:p>
+            <a:pPr lvl="1"/>
+            <a:endParaRPr lang="es-UY" dirty="0"/>
+          </a:p>
+          <a:p>
+            <a:pPr lvl="1"/>
+            <a:r>
+              <a:rPr lang="es-UY" dirty="0"/>
+              <a:t>La proporción de hogares pobres se estimó en </a:t>
+            </a:r>
+            <a:r>
+              <a:rPr lang="es-UY" b="1" dirty="0"/>
+              <a:t>0.085</a:t>
+            </a:r>
+            <a:r>
+              <a:rPr lang="es-UY" dirty="0"/>
+              <a:t> y su verdadero valor es </a:t>
+            </a:r>
+            <a:r>
+              <a:rPr lang="es-UY" b="1" dirty="0"/>
+              <a:t>0.07955</a:t>
+            </a:r>
+            <a:r>
+              <a:rPr lang="es-UY" dirty="0"/>
+              <a:t>.</a:t>
+            </a:r>
+          </a:p>
+          <a:p>
+            <a:pPr lvl="1"/>
+            <a:endParaRPr lang="es-UY" dirty="0"/>
+          </a:p>
+          <a:p>
+            <a:pPr lvl="1"/>
+            <a:r>
+              <a:rPr lang="es-UY" dirty="0"/>
+              <a:t>El ingreso per cápita se estimó en </a:t>
+            </a:r>
+            <a:r>
+              <a:rPr lang="es-UY" b="1" dirty="0"/>
+              <a:t>1727</a:t>
+            </a:r>
+            <a:r>
+              <a:rPr lang="es-UY" dirty="0"/>
+              <a:t> y su verdadero valor es de </a:t>
+            </a:r>
+            <a:r>
+              <a:rPr lang="es-UY" b="1" dirty="0"/>
+              <a:t>1722</a:t>
+            </a:r>
+            <a:r>
+              <a:rPr lang="es-UY" dirty="0"/>
+              <a:t>.</a:t>
+            </a:r>
+            <a:endParaRPr lang="es-UY" b="1" dirty="0"/>
+          </a:p>
+          <a:p>
+            <a:pPr lvl="1" rtl="0"/>
+            <a:endParaRPr lang="es-ES" dirty="0"/>
           </a:p>
         </p:txBody>
       </p:sp>
     </p:spTree>
     <p:extLst>
       <p:ext uri="{BB962C8B-B14F-4D97-AF65-F5344CB8AC3E}">
-        <p14:creationId xmlns:p14="http://schemas.microsoft.com/office/powerpoint/2010/main" val="954288764"/>
+        <p14:creationId xmlns:p14="http://schemas.microsoft.com/office/powerpoint/2010/main" val="3429912188"/>
       </p:ext>
     </p:extLst>
   </p:cSld>
   <p:clrMapOvr>
     <a:masterClrMapping/>
   </p:clrMapOvr>
-  <mc:AlternateContent xmlns:mc="http://schemas.openxmlformats.org/markup-compatibility/2006">
-    <mc:Choice xmlns:p14="http://schemas.microsoft.com/office/powerpoint/2010/main" Requires="p14">
+  <mc:AlternateContent xmlns:mc="http://schemas.openxmlformats.org/markup-compatibility/2006" xmlns:p14="http://schemas.microsoft.com/office/powerpoint/2010/main">
+    <mc:Choice Requires="p14">
       <p:transition spd="med" p14:dur="700">
         <p:fade/>
       </p:transition>
     </mc:Choice>
-    <mc:Fallback>
+    <mc:Fallback xmlns="">
       <p:transition spd="med">
         <p:fade/>
       </p:transition>
     </mc:Fallback>
   </mc:AlternateContent>
-  <p:timing>
-    <p:tnLst>
-      <p:par>
-        <p:cTn id="1" dur="indefinite" restart="never" nodeType="tmRoot"/>
-      </p:par>
-    </p:tnLst>
-  </p:timing>
 </p:sld>
 </file>
 
@@ -8317,6 +8765,150 @@
             <p:ph type="title"/>
           </p:nvPr>
         </p:nvSpPr>
+        <p:spPr>
+          <a:xfrm>
+            <a:off x="3412901" y="2687434"/>
+            <a:ext cx="5460643" cy="1292137"/>
+          </a:xfrm>
+        </p:spPr>
+        <p:txBody>
+          <a:bodyPr rtlCol="0">
+            <a:normAutofit fontScale="90000"/>
+          </a:bodyPr>
+          <a:lstStyle/>
+          <a:p>
+            <a:pPr rtl="0"/>
+            <a:r>
+              <a:rPr lang="es-ES" sz="7200" b="1" dirty="0"/>
+              <a:t>Conclusiones</a:t>
+            </a:r>
+          </a:p>
+        </p:txBody>
+      </p:sp>
+    </p:spTree>
+    <p:extLst>
+      <p:ext uri="{BB962C8B-B14F-4D97-AF65-F5344CB8AC3E}">
+        <p14:creationId xmlns:p14="http://schemas.microsoft.com/office/powerpoint/2010/main" val="954288764"/>
+      </p:ext>
+    </p:extLst>
+  </p:cSld>
+  <p:clrMapOvr>
+    <a:masterClrMapping/>
+  </p:clrMapOvr>
+  <mc:AlternateContent xmlns:mc="http://schemas.openxmlformats.org/markup-compatibility/2006" xmlns:p14="http://schemas.microsoft.com/office/powerpoint/2010/main">
+    <mc:Choice Requires="p14">
+      <p:transition spd="med" p14:dur="700">
+        <p:fade/>
+      </p:transition>
+    </mc:Choice>
+    <mc:Fallback xmlns="">
+      <p:transition spd="med">
+        <p:fade/>
+      </p:transition>
+    </mc:Fallback>
+  </mc:AlternateContent>
+</p:sld>
+</file>
+
+<file path=ppt/slides/slide2.xml><?xml version="1.0" encoding="utf-8"?>
+<p:sld xmlns:a="http://schemas.openxmlformats.org/drawingml/2006/main" xmlns:r="http://schemas.openxmlformats.org/officeDocument/2006/relationships" xmlns:p="http://schemas.openxmlformats.org/presentationml/2006/main">
+  <p:cSld>
+    <p:spTree>
+      <p:nvGrpSpPr>
+        <p:cNvPr id="1" name=""/>
+        <p:cNvGrpSpPr/>
+        <p:nvPr/>
+      </p:nvGrpSpPr>
+      <p:grpSpPr>
+        <a:xfrm>
+          <a:off x="0" y="0"/>
+          <a:ext cx="0" cy="0"/>
+          <a:chOff x="0" y="0"/>
+          <a:chExt cx="0" cy="0"/>
+        </a:xfrm>
+      </p:grpSpPr>
+      <p:sp>
+        <p:nvSpPr>
+          <p:cNvPr id="3" name="Título 2"/>
+          <p:cNvSpPr>
+            <a:spLocks noGrp="1"/>
+          </p:cNvSpPr>
+          <p:nvPr>
+            <p:ph type="title"/>
+          </p:nvPr>
+        </p:nvSpPr>
+        <p:spPr>
+          <a:xfrm>
+            <a:off x="3454464" y="2687434"/>
+            <a:ext cx="5460643" cy="1292137"/>
+          </a:xfrm>
+        </p:spPr>
+        <p:txBody>
+          <a:bodyPr rtlCol="0">
+            <a:normAutofit fontScale="90000"/>
+          </a:bodyPr>
+          <a:lstStyle/>
+          <a:p>
+            <a:pPr rtl="0"/>
+            <a:r>
+              <a:rPr lang="es-ES" sz="7200" b="1" dirty="0"/>
+              <a:t>Introducción</a:t>
+            </a:r>
+          </a:p>
+        </p:txBody>
+      </p:sp>
+    </p:spTree>
+    <p:extLst>
+      <p:ext uri="{BB962C8B-B14F-4D97-AF65-F5344CB8AC3E}">
+        <p14:creationId xmlns:p14="http://schemas.microsoft.com/office/powerpoint/2010/main" val="1508910272"/>
+      </p:ext>
+    </p:extLst>
+  </p:cSld>
+  <p:clrMapOvr>
+    <a:masterClrMapping/>
+  </p:clrMapOvr>
+  <mc:AlternateContent xmlns:mc="http://schemas.openxmlformats.org/markup-compatibility/2006" xmlns:p14="http://schemas.microsoft.com/office/powerpoint/2010/main">
+    <mc:Choice Requires="p14">
+      <p:transition spd="med" p14:dur="700">
+        <p:fade/>
+      </p:transition>
+    </mc:Choice>
+    <mc:Fallback xmlns="">
+      <p:transition spd="med">
+        <p:fade/>
+      </p:transition>
+    </mc:Fallback>
+  </mc:AlternateContent>
+</p:sld>
+</file>
+
+<file path=ppt/slides/slide20.xml><?xml version="1.0" encoding="utf-8"?>
+<p:sld xmlns:a="http://schemas.openxmlformats.org/drawingml/2006/main" xmlns:r="http://schemas.openxmlformats.org/officeDocument/2006/relationships" xmlns:p="http://schemas.openxmlformats.org/presentationml/2006/main">
+  <p:cSld>
+    <p:spTree>
+      <p:nvGrpSpPr>
+        <p:cNvPr id="1" name=""/>
+        <p:cNvGrpSpPr/>
+        <p:nvPr/>
+      </p:nvGrpSpPr>
+      <p:grpSpPr>
+        <a:xfrm>
+          <a:off x="0" y="0"/>
+          <a:ext cx="0" cy="0"/>
+          <a:chOff x="0" y="0"/>
+          <a:chExt cx="0" cy="0"/>
+        </a:xfrm>
+      </p:grpSpPr>
+      <p:sp>
+        <p:nvSpPr>
+          <p:cNvPr id="3" name="Título 2"/>
+          <p:cNvSpPr>
+            <a:spLocks noGrp="1"/>
+          </p:cNvSpPr>
+          <p:nvPr>
+            <p:ph type="title"/>
+          </p:nvPr>
+        </p:nvSpPr>
         <p:spPr/>
         <p:txBody>
           <a:bodyPr rtlCol="0"/>
@@ -8324,10 +8916,9 @@
           <a:p>
             <a:pPr rtl="0"/>
             <a:r>
-              <a:rPr lang="es-ES" dirty="0" smtClean="0"/>
+              <a:rPr lang="es-ES" dirty="0"/>
               <a:t>Conclusiones</a:t>
             </a:r>
-            <a:endParaRPr lang="es-ES" dirty="0"/>
           </a:p>
         </p:txBody>
       </p:sp>
@@ -8352,17 +8943,60 @@
           <a:lstStyle/>
           <a:p>
             <a:r>
-              <a:rPr lang="es-ES" dirty="0" smtClean="0"/>
+              <a:rPr lang="es-ES" dirty="0"/>
               <a:t>Las estimaciones realizadas fueron buenas ya que no difieren mucho con respecto a los verdaderos valores de los parámetros. Esto nos lleva a poder afirmar, por lo menos en este caso, que el diseño propuesto, </a:t>
             </a:r>
             <a:r>
               <a:rPr lang="es-UY" dirty="0"/>
-              <a:t>estratificado, por conglomerados y en dos etapas de </a:t>
-            </a:r>
-            <a:r>
-              <a:rPr lang="es-UY" dirty="0" smtClean="0"/>
-              <a:t>selección, es un buen diseño.</a:t>
-            </a:r>
+              <a:t>estratificado, por conglomerados y en dos etapas de selección, es un buen diseño.</a:t>
+            </a:r>
+          </a:p>
+          <a:p>
+            <a:r>
+              <a:rPr lang="es-ES" dirty="0"/>
+              <a:t>Por </a:t>
+            </a:r>
+            <a:r>
+              <a:rPr lang="es-ES" dirty="0" err="1"/>
+              <a:t>otr</a:t>
+            </a:r>
+            <a:r>
+              <a:rPr lang="es-ES" dirty="0"/>
+              <a:t> aparte para el caso de </a:t>
+            </a:r>
+            <a:r>
+              <a:rPr lang="es-ES" dirty="0" err="1"/>
+              <a:t>de</a:t>
+            </a:r>
+            <a:r>
+              <a:rPr lang="es-ES" dirty="0"/>
+              <a:t> estimar el total de los dominios </a:t>
+            </a:r>
+            <a:r>
+              <a:rPr lang="es-ES" i="1" dirty="0"/>
+              <a:t>Pobre</a:t>
+            </a:r>
+            <a:r>
+              <a:rPr lang="es-ES" dirty="0"/>
+              <a:t> y </a:t>
+            </a:r>
+            <a:r>
+              <a:rPr lang="es-ES" i="1" dirty="0"/>
+              <a:t>No pobre</a:t>
+            </a:r>
+            <a:r>
+              <a:rPr lang="es-ES" dirty="0"/>
+              <a:t> es mejor ajustar los ponderadores por medio de </a:t>
+            </a:r>
+            <a:r>
+              <a:rPr lang="es-ES" dirty="0" err="1"/>
+              <a:t>postestratificación</a:t>
+            </a:r>
+            <a:r>
+              <a:rPr lang="es-ES" dirty="0"/>
+              <a:t> según la variable de interés.</a:t>
+            </a:r>
+            <a:endParaRPr lang="es-UY" dirty="0"/>
           </a:p>
           <a:p>
             <a:endParaRPr lang="es-ES" dirty="0"/>
@@ -8391,17 +9025,10 @@
       </p:transition>
     </mc:Fallback>
   </mc:AlternateContent>
-  <p:timing>
-    <p:tnLst>
-      <p:par>
-        <p:cTn id="1" dur="indefinite" restart="never" nodeType="tmRoot"/>
-      </p:par>
-    </p:tnLst>
-  </p:timing>
 </p:sld>
 </file>
 
-<file path=ppt/slides/slide2.xml><?xml version="1.0" encoding="utf-8"?>
+<file path=ppt/slides/slide21.xml><?xml version="1.0" encoding="utf-8"?>
 <p:sld xmlns:a="http://schemas.openxmlformats.org/drawingml/2006/main" xmlns:r="http://schemas.openxmlformats.org/officeDocument/2006/relationships" xmlns:p="http://schemas.openxmlformats.org/presentationml/2006/main">
   <p:cSld>
     <p:spTree>
@@ -8430,86 +9057,6 @@
         </p:nvSpPr>
         <p:spPr>
           <a:xfrm>
-            <a:off x="3454464" y="2687434"/>
-            <a:ext cx="5460643" cy="1292137"/>
-          </a:xfrm>
-        </p:spPr>
-        <p:txBody>
-          <a:bodyPr rtlCol="0">
-            <a:normAutofit fontScale="90000"/>
-          </a:bodyPr>
-          <a:lstStyle/>
-          <a:p>
-            <a:pPr rtl="0"/>
-            <a:r>
-              <a:rPr lang="es-ES" sz="7200" b="1" dirty="0" smtClean="0"/>
-              <a:t>Introducción</a:t>
-            </a:r>
-            <a:endParaRPr lang="es-ES" sz="7200" b="1" dirty="0"/>
-          </a:p>
-        </p:txBody>
-      </p:sp>
-    </p:spTree>
-    <p:extLst>
-      <p:ext uri="{BB962C8B-B14F-4D97-AF65-F5344CB8AC3E}">
-        <p14:creationId xmlns:p14="http://schemas.microsoft.com/office/powerpoint/2010/main" val="1508910272"/>
-      </p:ext>
-    </p:extLst>
-  </p:cSld>
-  <p:clrMapOvr>
-    <a:masterClrMapping/>
-  </p:clrMapOvr>
-  <mc:AlternateContent xmlns:mc="http://schemas.openxmlformats.org/markup-compatibility/2006" xmlns:p14="http://schemas.microsoft.com/office/powerpoint/2010/main">
-    <mc:Choice Requires="p14">
-      <p:transition spd="med" p14:dur="700">
-        <p:fade/>
-      </p:transition>
-    </mc:Choice>
-    <mc:Fallback xmlns="">
-      <p:transition spd="med">
-        <p:fade/>
-      </p:transition>
-    </mc:Fallback>
-  </mc:AlternateContent>
-  <p:timing>
-    <p:tnLst>
-      <p:par>
-        <p:cTn id="1" dur="indefinite" restart="never" nodeType="tmRoot"/>
-      </p:par>
-    </p:tnLst>
-  </p:timing>
-</p:sld>
-</file>
-
-<file path=ppt/slides/slide20.xml><?xml version="1.0" encoding="utf-8"?>
-<p:sld xmlns:a="http://schemas.openxmlformats.org/drawingml/2006/main" xmlns:r="http://schemas.openxmlformats.org/officeDocument/2006/relationships" xmlns:p="http://schemas.openxmlformats.org/presentationml/2006/main">
-  <p:cSld>
-    <p:spTree>
-      <p:nvGrpSpPr>
-        <p:cNvPr id="1" name=""/>
-        <p:cNvGrpSpPr/>
-        <p:nvPr/>
-      </p:nvGrpSpPr>
-      <p:grpSpPr>
-        <a:xfrm>
-          <a:off x="0" y="0"/>
-          <a:ext cx="0" cy="0"/>
-          <a:chOff x="0" y="0"/>
-          <a:chExt cx="0" cy="0"/>
-        </a:xfrm>
-      </p:grpSpPr>
-      <p:sp>
-        <p:nvSpPr>
-          <p:cNvPr id="3" name="Título 2"/>
-          <p:cNvSpPr>
-            <a:spLocks noGrp="1"/>
-          </p:cNvSpPr>
-          <p:nvPr>
-            <p:ph type="title"/>
-          </p:nvPr>
-        </p:nvSpPr>
-        <p:spPr>
-          <a:xfrm>
             <a:off x="3532909" y="2948524"/>
             <a:ext cx="5084618" cy="1143000"/>
           </a:xfrm>
@@ -8522,14 +9069,9 @@
           <a:p>
             <a:pPr rtl="0"/>
             <a:r>
-              <a:rPr lang="es-ES" sz="8800" dirty="0" smtClean="0"/>
-              <a:t>¡G</a:t>
-            </a:r>
-            <a:r>
-              <a:rPr lang="es-ES" sz="8800" dirty="0" smtClean="0"/>
-              <a:t>racias!</a:t>
-            </a:r>
-            <a:endParaRPr lang="es-ES" sz="8800" dirty="0"/>
+              <a:rPr lang="es-ES" sz="8800" dirty="0"/>
+              <a:t>¡Gracias!</a:t>
+            </a:r>
           </a:p>
         </p:txBody>
       </p:sp>
@@ -8555,13 +9097,6 @@
       </p:transition>
     </mc:Fallback>
   </mc:AlternateContent>
-  <p:timing>
-    <p:tnLst>
-      <p:par>
-        <p:cTn id="1" dur="indefinite" restart="never" nodeType="tmRoot"/>
-      </p:par>
-    </p:tnLst>
-  </p:timing>
 </p:sld>
 </file>
 
@@ -8606,10 +9141,9 @@
           <a:p>
             <a:pPr rtl="0"/>
             <a:r>
-              <a:rPr lang="es-ES" sz="7200" b="1" dirty="0" smtClean="0"/>
+              <a:rPr lang="es-ES" sz="7200" b="1" dirty="0"/>
               <a:t>Análisis Previo</a:t>
             </a:r>
-            <a:endParaRPr lang="es-ES" sz="7200" b="1" dirty="0"/>
           </a:p>
         </p:txBody>
       </p:sp>
@@ -8623,25 +9157,18 @@
   <p:clrMapOvr>
     <a:masterClrMapping/>
   </p:clrMapOvr>
-  <mc:AlternateContent xmlns:mc="http://schemas.openxmlformats.org/markup-compatibility/2006">
-    <mc:Choice xmlns:p14="http://schemas.microsoft.com/office/powerpoint/2010/main" Requires="p14">
+  <mc:AlternateContent xmlns:mc="http://schemas.openxmlformats.org/markup-compatibility/2006" xmlns:p14="http://schemas.microsoft.com/office/powerpoint/2010/main">
+    <mc:Choice Requires="p14">
       <p:transition spd="med" p14:dur="700">
         <p:fade/>
       </p:transition>
     </mc:Choice>
-    <mc:Fallback>
+    <mc:Fallback xmlns="">
       <p:transition spd="med">
         <p:fade/>
       </p:transition>
     </mc:Fallback>
   </mc:AlternateContent>
-  <p:timing>
-    <p:tnLst>
-      <p:par>
-        <p:cTn id="1" dur="indefinite" restart="never" nodeType="tmRoot"/>
-      </p:par>
-    </p:tnLst>
-  </p:timing>
 </p:sld>
 </file>
 
@@ -8684,10 +9211,9 @@
           <a:p>
             <a:pPr rtl="0"/>
             <a:r>
-              <a:rPr lang="es-ES" dirty="0" smtClean="0"/>
+              <a:rPr lang="es-ES" dirty="0"/>
               <a:t>Análisis Previo</a:t>
             </a:r>
-            <a:endParaRPr lang="es-ES" dirty="0"/>
           </a:p>
         </p:txBody>
       </p:sp>
@@ -8734,21 +9260,13 @@
           </a:p>
           <a:p>
             <a:pPr lvl="1" rtl="0"/>
-            <a:endParaRPr lang="es-ES" dirty="0" smtClean="0"/>
+            <a:endParaRPr lang="es-ES" dirty="0"/>
           </a:p>
           <a:p>
             <a:pPr lvl="1"/>
             <a:r>
               <a:rPr lang="es-UY" dirty="0"/>
-              <a:t>S</a:t>
-            </a:r>
-            <a:r>
-              <a:rPr lang="es-UY" dirty="0" smtClean="0"/>
-              <a:t>e </a:t>
-            </a:r>
-            <a:r>
-              <a:rPr lang="es-UY" dirty="0"/>
-              <a:t>puede notar que la media de los ocupados, </a:t>
+              <a:t>Se puede notar que la media de los ocupados, </a:t>
             </a:r>
             <a:r>
               <a:rPr lang="es-UY" b="1" dirty="0"/>
@@ -8763,23 +9281,19 @@
               <a:t>0.1265</a:t>
             </a:r>
             <a:r>
-              <a:rPr lang="es-UY" dirty="0" smtClean="0"/>
+              <a:rPr lang="es-UY" dirty="0"/>
               <a:t>.</a:t>
             </a:r>
           </a:p>
           <a:p>
             <a:pPr lvl="1"/>
-            <a:endParaRPr lang="es-UY" dirty="0" smtClean="0"/>
+            <a:endParaRPr lang="es-UY" dirty="0"/>
           </a:p>
           <a:p>
             <a:pPr lvl="1"/>
             <a:r>
-              <a:rPr lang="es-UY" dirty="0" smtClean="0"/>
-              <a:t>La </a:t>
-            </a:r>
-            <a:r>
               <a:rPr lang="es-UY" dirty="0"/>
-              <a:t>media del precio del alquiler se encuentra en </a:t>
+              <a:t>La media del precio del alquiler se encuentra en </a:t>
             </a:r>
             <a:r>
               <a:rPr lang="es-UY" b="1" dirty="0"/>
@@ -8795,11 +9309,7 @@
             </a:r>
             <a:r>
               <a:rPr lang="es-UY" dirty="0"/>
-              <a:t>, una diferencia muy </a:t>
-            </a:r>
-            <a:r>
-              <a:rPr lang="es-UY" dirty="0" smtClean="0"/>
-              <a:t>notable.</a:t>
+              <a:t>, una diferencia muy notable.</a:t>
             </a:r>
             <a:endParaRPr lang="es-ES" dirty="0"/>
           </a:p>
@@ -8827,13 +9337,6 @@
       </p:transition>
     </mc:Fallback>
   </mc:AlternateContent>
-  <p:timing>
-    <p:tnLst>
-      <p:par>
-        <p:cTn id="1" dur="indefinite" restart="never" nodeType="tmRoot"/>
-      </p:par>
-    </p:tnLst>
-  </p:timing>
 </p:sld>
 </file>
 
@@ -8876,10 +9379,9 @@
           <a:p>
             <a:pPr rtl="0"/>
             <a:r>
-              <a:rPr lang="es-ES" dirty="0" smtClean="0"/>
+              <a:rPr lang="es-ES" dirty="0"/>
               <a:t>Análisis Previo</a:t>
             </a:r>
-            <a:endParaRPr lang="es-ES" dirty="0"/>
           </a:p>
         </p:txBody>
       </p:sp>
@@ -8923,25 +9425,18 @@
   <p:clrMapOvr>
     <a:masterClrMapping/>
   </p:clrMapOvr>
-  <mc:AlternateContent xmlns:mc="http://schemas.openxmlformats.org/markup-compatibility/2006">
-    <mc:Choice xmlns:p14="http://schemas.microsoft.com/office/powerpoint/2010/main" Requires="p14">
+  <mc:AlternateContent xmlns:mc="http://schemas.openxmlformats.org/markup-compatibility/2006" xmlns:p14="http://schemas.microsoft.com/office/powerpoint/2010/main">
+    <mc:Choice Requires="p14">
       <p:transition spd="med" p14:dur="700">
         <p:fade/>
       </p:transition>
     </mc:Choice>
-    <mc:Fallback>
+    <mc:Fallback xmlns="">
       <p:transition spd="med">
         <p:fade/>
       </p:transition>
     </mc:Fallback>
   </mc:AlternateContent>
-  <p:timing>
-    <p:tnLst>
-      <p:par>
-        <p:cTn id="1" dur="indefinite" restart="never" nodeType="tmRoot"/>
-      </p:par>
-    </p:tnLst>
-  </p:timing>
 </p:sld>
 </file>
 
@@ -8986,10 +9481,9 @@
           <a:p>
             <a:pPr rtl="0"/>
             <a:r>
-              <a:rPr lang="es-ES" sz="7200" b="1" dirty="0" smtClean="0"/>
+              <a:rPr lang="es-ES" sz="7200" b="1" dirty="0"/>
               <a:t>Resultados</a:t>
             </a:r>
-            <a:endParaRPr lang="es-ES" sz="7200" b="1" dirty="0"/>
           </a:p>
         </p:txBody>
       </p:sp>
@@ -9003,25 +9497,18 @@
   <p:clrMapOvr>
     <a:masterClrMapping/>
   </p:clrMapOvr>
-  <mc:AlternateContent xmlns:mc="http://schemas.openxmlformats.org/markup-compatibility/2006">
-    <mc:Choice xmlns:p14="http://schemas.microsoft.com/office/powerpoint/2010/main" Requires="p14">
+  <mc:AlternateContent xmlns:mc="http://schemas.openxmlformats.org/markup-compatibility/2006" xmlns:p14="http://schemas.microsoft.com/office/powerpoint/2010/main">
+    <mc:Choice Requires="p14">
       <p:transition spd="med" p14:dur="700">
         <p:fade/>
       </p:transition>
     </mc:Choice>
-    <mc:Fallback>
+    <mc:Fallback xmlns="">
       <p:transition spd="med">
         <p:fade/>
       </p:transition>
     </mc:Fallback>
   </mc:AlternateContent>
-  <p:timing>
-    <p:tnLst>
-      <p:par>
-        <p:cTn id="1" dur="indefinite" restart="never" nodeType="tmRoot"/>
-      </p:par>
-    </p:tnLst>
-  </p:timing>
 </p:sld>
 </file>
 
@@ -9059,10 +9546,9 @@
           <a:p>
             <a:pPr rtl="0"/>
             <a:r>
-              <a:rPr lang="es-ES" dirty="0" smtClean="0"/>
+              <a:rPr lang="es-ES" dirty="0"/>
               <a:t>Resultados</a:t>
             </a:r>
-            <a:endParaRPr lang="es-ES" dirty="0"/>
           </a:p>
         </p:txBody>
       </p:sp>
@@ -9089,97 +9575,88 @@
           <a:lstStyle/>
           <a:p>
             <a:r>
-              <a:rPr lang="es-ES" dirty="0" smtClean="0"/>
+              <a:rPr lang="es-ES" dirty="0"/>
               <a:t>Tamaño de muestra </a:t>
             </a:r>
             <a:r>
               <a:rPr lang="es-UY" dirty="0"/>
-              <a:t>para estimar cualquier </a:t>
-            </a:r>
-            <a:r>
-              <a:rPr lang="es-UY" dirty="0" smtClean="0"/>
-              <a:t>proporción poblacional:</a:t>
+              <a:t>para estimar cualquier proporción poblacional:</a:t>
             </a:r>
             <a:endParaRPr lang="es-ES" dirty="0"/>
           </a:p>
           <a:p>
             <a:pPr lvl="1" rtl="0"/>
             <a:r>
-              <a:rPr lang="es-ES" dirty="0" smtClean="0"/>
+              <a:rPr lang="es-ES" dirty="0"/>
               <a:t>1601</a:t>
             </a:r>
           </a:p>
           <a:p>
             <a:pPr rtl="0"/>
-            <a:endParaRPr lang="es-ES" dirty="0" smtClean="0"/>
+            <a:endParaRPr lang="es-ES" dirty="0"/>
           </a:p>
           <a:p>
             <a:pPr rtl="0"/>
             <a:r>
               <a:rPr lang="es-ES" dirty="0"/>
-              <a:t> </a:t>
-            </a:r>
-            <a:r>
-              <a:rPr lang="es-ES" dirty="0" smtClean="0"/>
-              <a:t>Tamaño de muestra de cada estrato:</a:t>
-            </a:r>
-            <a:endParaRPr lang="es-ES" dirty="0" smtClean="0"/>
+              <a:t> Tamaño de muestra de cada estrato:</a:t>
+            </a:r>
           </a:p>
           <a:p>
             <a:pPr lvl="1"/>
-            <a:endParaRPr lang="es-ES" dirty="0" smtClean="0"/>
+            <a:endParaRPr lang="es-ES" dirty="0"/>
           </a:p>
           <a:p>
             <a:pPr lvl="1"/>
             <a:r>
-              <a:rPr lang="es-ES" dirty="0" smtClean="0"/>
+              <a:rPr lang="es-ES" dirty="0"/>
               <a:t>n_1 = </a:t>
             </a:r>
             <a:r>
-              <a:rPr lang="es-UY" dirty="0" smtClean="0"/>
+              <a:rPr lang="es-UY" dirty="0"/>
               <a:t>136</a:t>
             </a:r>
           </a:p>
           <a:p>
             <a:pPr lvl="1"/>
             <a:r>
-              <a:rPr lang="es-ES" dirty="0" smtClean="0"/>
+              <a:rPr lang="es-ES" dirty="0"/>
               <a:t>n_2 = </a:t>
             </a:r>
             <a:r>
-              <a:rPr lang="es-UY" dirty="0" smtClean="0"/>
+              <a:rPr lang="es-UY" dirty="0"/>
               <a:t>224</a:t>
             </a:r>
-            <a:endParaRPr lang="es-ES" dirty="0" smtClean="0"/>
+            <a:endParaRPr lang="es-ES" dirty="0"/>
           </a:p>
           <a:p>
             <a:pPr lvl="1"/>
             <a:r>
-              <a:rPr lang="es-ES" dirty="0" smtClean="0"/>
+              <a:rPr lang="es-ES" dirty="0"/>
               <a:t>n_3 = </a:t>
             </a:r>
             <a:r>
               <a:rPr lang="es-UY" dirty="0"/>
               <a:t>376</a:t>
             </a:r>
-            <a:endParaRPr lang="es-ES" dirty="0" smtClean="0"/>
+            <a:endParaRPr lang="es-ES" dirty="0"/>
           </a:p>
           <a:p>
             <a:pPr lvl="1"/>
             <a:r>
-              <a:rPr lang="es-ES" dirty="0" smtClean="0"/>
+              <a:rPr lang="es-ES" dirty="0"/>
               <a:t>n_4 = </a:t>
             </a:r>
             <a:r>
               <a:rPr lang="es-UY" dirty="0"/>
               <a:t>464</a:t>
             </a:r>
-            <a:endParaRPr lang="es-ES" dirty="0" smtClean="0"/>
+            <a:endParaRPr lang="es-ES" dirty="0"/>
           </a:p>
           <a:p>
             <a:pPr lvl="1"/>
             <a:r>
-              <a:rPr lang="es-ES" dirty="0" smtClean="0"/>
+              <a:rPr lang="es-ES" dirty="0"/>
               <a:t>n_5 = </a:t>
             </a:r>
             <a:r>
@@ -9190,7 +9667,7 @@
           </a:p>
           <a:p>
             <a:pPr rtl="0"/>
-            <a:endParaRPr lang="es-ES" dirty="0" smtClean="0"/>
+            <a:endParaRPr lang="es-ES" dirty="0"/>
           </a:p>
         </p:txBody>
       </p:sp>
@@ -9216,13 +9693,6 @@
       </p:transition>
     </mc:Fallback>
   </mc:AlternateContent>
-  <p:timing>
-    <p:tnLst>
-      <p:par>
-        <p:cTn id="1" dur="indefinite" restart="never" nodeType="tmRoot"/>
-      </p:par>
-    </p:tnLst>
-  </p:timing>
 </p:sld>
 </file>
 
@@ -9260,10 +9730,9 @@
           <a:p>
             <a:pPr rtl="0"/>
             <a:r>
-              <a:rPr lang="es-ES" dirty="0" smtClean="0"/>
+              <a:rPr lang="es-ES" dirty="0"/>
               <a:t>Resultados</a:t>
             </a:r>
-            <a:endParaRPr lang="es-ES" dirty="0"/>
           </a:p>
         </p:txBody>
       </p:sp>
@@ -9301,25 +9770,18 @@
   <p:clrMapOvr>
     <a:masterClrMapping/>
   </p:clrMapOvr>
-  <mc:AlternateContent xmlns:mc="http://schemas.openxmlformats.org/markup-compatibility/2006">
-    <mc:Choice xmlns:p14="http://schemas.microsoft.com/office/powerpoint/2010/main" Requires="p14">
+  <mc:AlternateContent xmlns:mc="http://schemas.openxmlformats.org/markup-compatibility/2006" xmlns:p14="http://schemas.microsoft.com/office/powerpoint/2010/main">
+    <mc:Choice Requires="p14">
       <p:transition spd="med" p14:dur="700">
         <p:fade/>
       </p:transition>
     </mc:Choice>
-    <mc:Fallback>
+    <mc:Fallback xmlns="">
       <p:transition spd="med">
         <p:fade/>
       </p:transition>
     </mc:Fallback>
   </mc:AlternateContent>
-  <p:timing>
-    <p:tnLst>
-      <p:par>
-        <p:cTn id="1" dur="indefinite" restart="never" nodeType="tmRoot"/>
-      </p:par>
-    </p:tnLst>
-  </p:timing>
 </p:sld>
 </file>
 
@@ -9357,10 +9819,9 @@
           <a:p>
             <a:pPr rtl="0"/>
             <a:r>
-              <a:rPr lang="es-ES" dirty="0" smtClean="0"/>
+              <a:rPr lang="es-ES" dirty="0"/>
               <a:t>Resultados</a:t>
             </a:r>
-            <a:endParaRPr lang="es-ES" dirty="0"/>
           </a:p>
         </p:txBody>
       </p:sp>
@@ -9387,18 +9848,10 @@
           <a:lstStyle/>
           <a:p>
             <a:r>
-              <a:rPr lang="es-UY" dirty="0" smtClean="0"/>
-              <a:t>Obtención de </a:t>
-            </a:r>
-            <a:r>
               <a:rPr lang="es-UY" dirty="0"/>
-              <a:t>la </a:t>
-            </a:r>
-            <a:r>
-              <a:rPr lang="es-UY" dirty="0" smtClean="0"/>
-              <a:t>muestra:</a:t>
-            </a:r>
-            <a:endParaRPr lang="es-ES" dirty="0" smtClean="0"/>
+              <a:t>Obtención de la muestra:</a:t>
+            </a:r>
+            <a:endParaRPr lang="es-ES" dirty="0"/>
           </a:p>
           <a:p>
             <a:pPr marL="0" indent="0">
@@ -9408,7 +9861,7 @@
           </a:p>
           <a:p>
             <a:r>
-              <a:rPr lang="es-UY" dirty="0" smtClean="0"/>
+              <a:rPr lang="es-UY" dirty="0"/>
               <a:t>Primera etapa: Bajo un diseño PPS, se comenzó obteniendo una muestra de manzanas por estrato de tamaño … … … … …, para los estratos 1, 2, 3, 4, y 5 respectivamente.</a:t>
             </a:r>
           </a:p>
@@ -9416,16 +9869,16 @@
             <a:pPr marL="0" indent="0">
               <a:buNone/>
             </a:pPr>
-            <a:endParaRPr lang="es-UY" dirty="0" smtClean="0"/>
-          </a:p>
-          <a:p>
-            <a:r>
-              <a:rPr lang="es-UY" dirty="0" smtClean="0"/>
+            <a:endParaRPr lang="es-UY" dirty="0"/>
+          </a:p>
+          <a:p>
+            <a:r>
+              <a:rPr lang="es-UY" dirty="0"/>
               <a:t>Segunda etapa: De cada muestra se seleccionaron bajo un MAS cinco viviendas</a:t>
             </a:r>
           </a:p>
           <a:p>
-            <a:endParaRPr lang="es-UY" dirty="0" smtClean="0"/>
+            <a:endParaRPr lang="es-UY" dirty="0"/>
           </a:p>
           <a:p>
             <a:endParaRPr lang="es-UY" dirty="0"/>
@@ -9442,25 +9895,18 @@
   <p:clrMapOvr>
     <a:masterClrMapping/>
   </p:clrMapOvr>
-  <mc:AlternateContent xmlns:mc="http://schemas.openxmlformats.org/markup-compatibility/2006">
-    <mc:Choice xmlns:p14="http://schemas.microsoft.com/office/powerpoint/2010/main" Requires="p14">
+  <mc:AlternateContent xmlns:mc="http://schemas.openxmlformats.org/markup-compatibility/2006" xmlns:p14="http://schemas.microsoft.com/office/powerpoint/2010/main">
+    <mc:Choice Requires="p14">
       <p:transition spd="med" p14:dur="700">
         <p:fade/>
       </p:transition>
     </mc:Choice>
-    <mc:Fallback>
+    <mc:Fallback xmlns="">
       <p:transition spd="med">
         <p:fade/>
       </p:transition>
     </mc:Fallback>
   </mc:AlternateContent>
-  <p:timing>
-    <p:tnLst>
-      <p:par>
-        <p:cTn id="1" dur="indefinite" restart="never" nodeType="tmRoot"/>
-      </p:par>
-    </p:tnLst>
-  </p:timing>
 </p:sld>
 </file>
 

--- a/Presentación/Trabajo Final_Muestreo.pptx
+++ b/Presentación/Trabajo Final_Muestreo.pptx
@@ -8953,16 +8953,12 @@
           </a:p>
           <a:p>
             <a:r>
+              <a:rPr lang="es-ES"/>
+              <a:t>Por otra parte </a:t>
+            </a:r>
+            <a:r>
               <a:rPr lang="es-ES" dirty="0"/>
-              <a:t>Por </a:t>
-            </a:r>
-            <a:r>
-              <a:rPr lang="es-ES" dirty="0" err="1"/>
-              <a:t>otr</a:t>
-            </a:r>
-            <a:r>
-              <a:rPr lang="es-ES" dirty="0"/>
-              <a:t> aparte para el caso de </a:t>
+              <a:t>para el caso de </a:t>
             </a:r>
             <a:r>
               <a:rPr lang="es-ES" dirty="0" err="1"/>
